--- a/weather dashboard ppt.pptx
+++ b/weather dashboard ppt.pptx
@@ -121,7 +121,7 @@
   </p:defaultTextStyle>
   <p:extLst>
     <p:ext uri="{EFAFB233-063F-42B5-8137-9DF3F51BA10A}">
-      <p15:sldGuideLst xmlns:p15="http://schemas.microsoft.com/office/powerpoint/2012/main" xmlns="">
+      <p15:sldGuideLst xmlns="" xmlns:p15="http://schemas.microsoft.com/office/powerpoint/2012/main">
         <p15:guide id="1" orient="horz" pos="2160">
           <p15:clr>
             <a:srgbClr val="A4A3A4"/>
@@ -398,7 +398,7 @@
     </p:spTree>
     <p:extLst>
       <p:ext uri="{BB962C8B-B14F-4D97-AF65-F5344CB8AC3E}">
-        <p14:creationId xmlns:p14="http://schemas.microsoft.com/office/powerpoint/2010/main" xmlns="" val="538008421"/>
+        <p14:creationId xmlns="" xmlns:p14="http://schemas.microsoft.com/office/powerpoint/2010/main" val="538008421"/>
       </p:ext>
     </p:extLst>
   </p:cSld>
@@ -716,7 +716,7 @@
           <p:cNvPr id="8" name="Date Placeholder 7">
             <a:extLst>
               <a:ext uri="{FF2B5EF4-FFF2-40B4-BE49-F238E27FC236}">
-                <a16:creationId xmlns:a16="http://schemas.microsoft.com/office/drawing/2014/main" xmlns="" id="{7FA0ACE7-29A8-47D3-A7D9-257B711D8023}"/>
+                <a16:creationId xmlns="" xmlns:a16="http://schemas.microsoft.com/office/drawing/2014/main" id="{7FA0ACE7-29A8-47D3-A7D9-257B711D8023}"/>
               </a:ext>
             </a:extLst>
           </p:cNvPr>
@@ -746,7 +746,7 @@
           <p:cNvPr id="9" name="Footer Placeholder 8">
             <a:extLst>
               <a:ext uri="{FF2B5EF4-FFF2-40B4-BE49-F238E27FC236}">
-                <a16:creationId xmlns:a16="http://schemas.microsoft.com/office/drawing/2014/main" xmlns="" id="{DEC604B9-52E9-4810-8359-47206518D038}"/>
+                <a16:creationId xmlns="" xmlns:a16="http://schemas.microsoft.com/office/drawing/2014/main" id="{DEC604B9-52E9-4810-8359-47206518D038}"/>
               </a:ext>
             </a:extLst>
           </p:cNvPr>
@@ -779,7 +779,7 @@
           <p:cNvPr id="10" name="Slide Number Placeholder 9">
             <a:extLst>
               <a:ext uri="{FF2B5EF4-FFF2-40B4-BE49-F238E27FC236}">
-                <a16:creationId xmlns:a16="http://schemas.microsoft.com/office/drawing/2014/main" xmlns="" id="{5898A89F-CA25-400F-B05A-AECBF2517E4F}"/>
+                <a16:creationId xmlns="" xmlns:a16="http://schemas.microsoft.com/office/drawing/2014/main" id="{5898A89F-CA25-400F-B05A-AECBF2517E4F}"/>
               </a:ext>
             </a:extLst>
           </p:cNvPr>
@@ -807,7 +807,7 @@
     </p:spTree>
     <p:extLst>
       <p:ext uri="{BB962C8B-B14F-4D97-AF65-F5344CB8AC3E}">
-        <p14:creationId xmlns:p14="http://schemas.microsoft.com/office/powerpoint/2010/main" xmlns="" val="490017585"/>
+        <p14:creationId xmlns="" xmlns:p14="http://schemas.microsoft.com/office/powerpoint/2010/main" val="490017585"/>
       </p:ext>
     </p:extLst>
   </p:cSld>
@@ -1006,7 +1006,7 @@
     </p:spTree>
     <p:extLst>
       <p:ext uri="{BB962C8B-B14F-4D97-AF65-F5344CB8AC3E}">
-        <p14:creationId xmlns:p14="http://schemas.microsoft.com/office/powerpoint/2010/main" xmlns="" val="1283591147"/>
+        <p14:creationId xmlns="" xmlns:p14="http://schemas.microsoft.com/office/powerpoint/2010/main" val="1283591147"/>
       </p:ext>
     </p:extLst>
   </p:cSld>
@@ -1168,7 +1168,7 @@
           <p:cNvPr id="8" name="Rectangle 7">
             <a:extLst>
               <a:ext uri="{FF2B5EF4-FFF2-40B4-BE49-F238E27FC236}">
-                <a16:creationId xmlns:a16="http://schemas.microsoft.com/office/drawing/2014/main" xmlns="" id="{F6423B97-A5D4-47B9-8861-73B3707A04CF}"/>
+                <a16:creationId xmlns="" xmlns:a16="http://schemas.microsoft.com/office/drawing/2014/main" id="{F6423B97-A5D4-47B9-8861-73B3707A04CF}"/>
               </a:ext>
             </a:extLst>
           </p:cNvPr>
@@ -1211,7 +1211,7 @@
           <p:cNvPr id="9" name="Rectangle 8">
             <a:extLst>
               <a:ext uri="{FF2B5EF4-FFF2-40B4-BE49-F238E27FC236}">
-                <a16:creationId xmlns:a16="http://schemas.microsoft.com/office/drawing/2014/main" xmlns="" id="{1AEC0421-37B4-4481-A10D-69FDF5EC7909}"/>
+                <a16:creationId xmlns="" xmlns:a16="http://schemas.microsoft.com/office/drawing/2014/main" id="{1AEC0421-37B4-4481-A10D-69FDF5EC7909}"/>
               </a:ext>
             </a:extLst>
           </p:cNvPr>
@@ -1254,7 +1254,7 @@
           <p:cNvPr id="10" name="Rectangle 9">
             <a:extLst>
               <a:ext uri="{FF2B5EF4-FFF2-40B4-BE49-F238E27FC236}">
-                <a16:creationId xmlns:a16="http://schemas.microsoft.com/office/drawing/2014/main" xmlns="" id="{5F7265B5-9F97-4F1E-99E9-74F7B7E62337}"/>
+                <a16:creationId xmlns="" xmlns:a16="http://schemas.microsoft.com/office/drawing/2014/main" id="{5F7265B5-9F97-4F1E-99E9-74F7B7E62337}"/>
               </a:ext>
             </a:extLst>
           </p:cNvPr>
@@ -1297,7 +1297,7 @@
           <p:cNvPr id="11" name="Date Placeholder 10">
             <a:extLst>
               <a:ext uri="{FF2B5EF4-FFF2-40B4-BE49-F238E27FC236}">
-                <a16:creationId xmlns:a16="http://schemas.microsoft.com/office/drawing/2014/main" xmlns="" id="{5C74A470-3BD3-4F33-80E5-67E6E87FCBE7}"/>
+                <a16:creationId xmlns="" xmlns:a16="http://schemas.microsoft.com/office/drawing/2014/main" id="{5C74A470-3BD3-4F33-80E5-67E6E87FCBE7}"/>
               </a:ext>
             </a:extLst>
           </p:cNvPr>
@@ -1327,7 +1327,7 @@
           <p:cNvPr id="12" name="Footer Placeholder 11">
             <a:extLst>
               <a:ext uri="{FF2B5EF4-FFF2-40B4-BE49-F238E27FC236}">
-                <a16:creationId xmlns:a16="http://schemas.microsoft.com/office/drawing/2014/main" xmlns="" id="{9A3A30BA-DB50-4D7D-BCDE-17D20FB354DF}"/>
+                <a16:creationId xmlns="" xmlns:a16="http://schemas.microsoft.com/office/drawing/2014/main" id="{9A3A30BA-DB50-4D7D-BCDE-17D20FB354DF}"/>
               </a:ext>
             </a:extLst>
           </p:cNvPr>
@@ -1360,7 +1360,7 @@
           <p:cNvPr id="13" name="Slide Number Placeholder 12">
             <a:extLst>
               <a:ext uri="{FF2B5EF4-FFF2-40B4-BE49-F238E27FC236}">
-                <a16:creationId xmlns:a16="http://schemas.microsoft.com/office/drawing/2014/main" xmlns="" id="{76FF9E58-C0B2-436B-A21C-DB45A00D6515}"/>
+                <a16:creationId xmlns="" xmlns:a16="http://schemas.microsoft.com/office/drawing/2014/main" id="{76FF9E58-C0B2-436B-A21C-DB45A00D6515}"/>
               </a:ext>
             </a:extLst>
           </p:cNvPr>
@@ -1388,7 +1388,7 @@
     </p:spTree>
     <p:extLst>
       <p:ext uri="{BB962C8B-B14F-4D97-AF65-F5344CB8AC3E}">
-        <p14:creationId xmlns:p14="http://schemas.microsoft.com/office/powerpoint/2010/main" xmlns="" val="3388849626"/>
+        <p14:creationId xmlns="" xmlns:p14="http://schemas.microsoft.com/office/powerpoint/2010/main" val="3388849626"/>
       </p:ext>
     </p:extLst>
   </p:cSld>
@@ -1503,7 +1503,7 @@
           <p:cNvPr id="8" name="Date Placeholder 7">
             <a:extLst>
               <a:ext uri="{FF2B5EF4-FFF2-40B4-BE49-F238E27FC236}">
-                <a16:creationId xmlns:a16="http://schemas.microsoft.com/office/drawing/2014/main" xmlns="" id="{770E6237-3456-439F-802D-3BA93FC7E3E5}"/>
+                <a16:creationId xmlns="" xmlns:a16="http://schemas.microsoft.com/office/drawing/2014/main" id="{770E6237-3456-439F-802D-3BA93FC7E3E5}"/>
               </a:ext>
             </a:extLst>
           </p:cNvPr>
@@ -1531,7 +1531,7 @@
     </p:spTree>
     <p:extLst>
       <p:ext uri="{BB962C8B-B14F-4D97-AF65-F5344CB8AC3E}">
-        <p14:creationId xmlns:p14="http://schemas.microsoft.com/office/powerpoint/2010/main" xmlns="" val="852443411"/>
+        <p14:creationId xmlns="" xmlns:p14="http://schemas.microsoft.com/office/powerpoint/2010/main" val="852443411"/>
       </p:ext>
     </p:extLst>
   </p:cSld>
@@ -1761,7 +1761,7 @@
           <p:cNvPr id="7" name="Date Placeholder 6">
             <a:extLst>
               <a:ext uri="{FF2B5EF4-FFF2-40B4-BE49-F238E27FC236}">
-                <a16:creationId xmlns:a16="http://schemas.microsoft.com/office/drawing/2014/main" xmlns="" id="{61582016-5696-4A93-887F-BBB3B9002FE5}"/>
+                <a16:creationId xmlns="" xmlns:a16="http://schemas.microsoft.com/office/drawing/2014/main" id="{61582016-5696-4A93-887F-BBB3B9002FE5}"/>
               </a:ext>
             </a:extLst>
           </p:cNvPr>
@@ -1791,7 +1791,7 @@
           <p:cNvPr id="9" name="Footer Placeholder 8">
             <a:extLst>
               <a:ext uri="{FF2B5EF4-FFF2-40B4-BE49-F238E27FC236}">
-                <a16:creationId xmlns:a16="http://schemas.microsoft.com/office/drawing/2014/main" xmlns="" id="{857CFCD5-1192-4E18-8A8F-29E153B44DA4}"/>
+                <a16:creationId xmlns="" xmlns:a16="http://schemas.microsoft.com/office/drawing/2014/main" id="{857CFCD5-1192-4E18-8A8F-29E153B44DA4}"/>
               </a:ext>
             </a:extLst>
           </p:cNvPr>
@@ -1824,7 +1824,7 @@
           <p:cNvPr id="10" name="Slide Number Placeholder 9">
             <a:extLst>
               <a:ext uri="{FF2B5EF4-FFF2-40B4-BE49-F238E27FC236}">
-                <a16:creationId xmlns:a16="http://schemas.microsoft.com/office/drawing/2014/main" xmlns="" id="{E39A109E-5018-4794-92B3-FD5E5BCD95E8}"/>
+                <a16:creationId xmlns="" xmlns:a16="http://schemas.microsoft.com/office/drawing/2014/main" id="{E39A109E-5018-4794-92B3-FD5E5BCD95E8}"/>
               </a:ext>
             </a:extLst>
           </p:cNvPr>
@@ -1852,7 +1852,7 @@
     </p:spTree>
     <p:extLst>
       <p:ext uri="{BB962C8B-B14F-4D97-AF65-F5344CB8AC3E}">
-        <p14:creationId xmlns:p14="http://schemas.microsoft.com/office/powerpoint/2010/main" xmlns="" val="366680978"/>
+        <p14:creationId xmlns="" xmlns:p14="http://schemas.microsoft.com/office/powerpoint/2010/main" val="366680978"/>
       </p:ext>
     </p:extLst>
   </p:cSld>
@@ -2100,7 +2100,7 @@
     </p:spTree>
     <p:extLst>
       <p:ext uri="{BB962C8B-B14F-4D97-AF65-F5344CB8AC3E}">
-        <p14:creationId xmlns:p14="http://schemas.microsoft.com/office/powerpoint/2010/main" xmlns="" val="2483323219"/>
+        <p14:creationId xmlns="" xmlns:p14="http://schemas.microsoft.com/office/powerpoint/2010/main" val="2483323219"/>
       </p:ext>
     </p:extLst>
   </p:cSld>
@@ -2529,7 +2529,7 @@
     </p:spTree>
     <p:extLst>
       <p:ext uri="{BB962C8B-B14F-4D97-AF65-F5344CB8AC3E}">
-        <p14:creationId xmlns:p14="http://schemas.microsoft.com/office/powerpoint/2010/main" xmlns="" val="1748046589"/>
+        <p14:creationId xmlns="" xmlns:p14="http://schemas.microsoft.com/office/powerpoint/2010/main" val="1748046589"/>
       </p:ext>
     </p:extLst>
   </p:cSld>
@@ -2661,7 +2661,7 @@
     </p:spTree>
     <p:extLst>
       <p:ext uri="{BB962C8B-B14F-4D97-AF65-F5344CB8AC3E}">
-        <p14:creationId xmlns:p14="http://schemas.microsoft.com/office/powerpoint/2010/main" xmlns="" val="112936382"/>
+        <p14:creationId xmlns="" xmlns:p14="http://schemas.microsoft.com/office/powerpoint/2010/main" val="112936382"/>
       </p:ext>
     </p:extLst>
   </p:cSld>
@@ -2766,7 +2766,7 @@
     </p:spTree>
     <p:extLst>
       <p:ext uri="{BB962C8B-B14F-4D97-AF65-F5344CB8AC3E}">
-        <p14:creationId xmlns:p14="http://schemas.microsoft.com/office/powerpoint/2010/main" xmlns="" val="1129494974"/>
+        <p14:creationId xmlns="" xmlns:p14="http://schemas.microsoft.com/office/powerpoint/2010/main" val="1129494974"/>
       </p:ext>
     </p:extLst>
   </p:cSld>
@@ -3067,7 +3067,7 @@
           <p:cNvPr id="8" name="Date Placeholder 7">
             <a:extLst>
               <a:ext uri="{FF2B5EF4-FFF2-40B4-BE49-F238E27FC236}">
-                <a16:creationId xmlns:a16="http://schemas.microsoft.com/office/drawing/2014/main" xmlns="" id="{0B919CC2-2A65-446F-B538-9E6249035445}"/>
+                <a16:creationId xmlns="" xmlns:a16="http://schemas.microsoft.com/office/drawing/2014/main" id="{0B919CC2-2A65-446F-B538-9E6249035445}"/>
               </a:ext>
             </a:extLst>
           </p:cNvPr>
@@ -3102,7 +3102,7 @@
           <p:cNvPr id="10" name="Footer Placeholder 9">
             <a:extLst>
               <a:ext uri="{FF2B5EF4-FFF2-40B4-BE49-F238E27FC236}">
-                <a16:creationId xmlns:a16="http://schemas.microsoft.com/office/drawing/2014/main" xmlns="" id="{B72412AE-119E-4982-8B24-63365EFCA796}"/>
+                <a16:creationId xmlns="" xmlns:a16="http://schemas.microsoft.com/office/drawing/2014/main" id="{B72412AE-119E-4982-8B24-63365EFCA796}"/>
               </a:ext>
             </a:extLst>
           </p:cNvPr>
@@ -3135,7 +3135,7 @@
           <p:cNvPr id="11" name="Slide Number Placeholder 10">
             <a:extLst>
               <a:ext uri="{FF2B5EF4-FFF2-40B4-BE49-F238E27FC236}">
-                <a16:creationId xmlns:a16="http://schemas.microsoft.com/office/drawing/2014/main" xmlns="" id="{7FC4BB19-6AD1-45CF-9F99-00B109890FAB}"/>
+                <a16:creationId xmlns="" xmlns:a16="http://schemas.microsoft.com/office/drawing/2014/main" id="{7FC4BB19-6AD1-45CF-9F99-00B109890FAB}"/>
               </a:ext>
             </a:extLst>
           </p:cNvPr>
@@ -3168,7 +3168,7 @@
     </p:spTree>
     <p:extLst>
       <p:ext uri="{BB962C8B-B14F-4D97-AF65-F5344CB8AC3E}">
-        <p14:creationId xmlns:p14="http://schemas.microsoft.com/office/powerpoint/2010/main" xmlns="" val="1261766693"/>
+        <p14:creationId xmlns="" xmlns:p14="http://schemas.microsoft.com/office/powerpoint/2010/main" val="1261766693"/>
       </p:ext>
     </p:extLst>
   </p:cSld>
@@ -3447,7 +3447,7 @@
     </p:spTree>
     <p:extLst>
       <p:ext uri="{BB962C8B-B14F-4D97-AF65-F5344CB8AC3E}">
-        <p14:creationId xmlns:p14="http://schemas.microsoft.com/office/powerpoint/2010/main" xmlns="" val="3573289553"/>
+        <p14:creationId xmlns="" xmlns:p14="http://schemas.microsoft.com/office/powerpoint/2010/main" val="3573289553"/>
       </p:ext>
     </p:extLst>
   </p:cSld>
@@ -3774,7 +3774,7 @@
           <p:cNvPr id="8" name="Picture 7" descr="Logo&#10;&#10;Description automatically generated">
             <a:extLst>
               <a:ext uri="{FF2B5EF4-FFF2-40B4-BE49-F238E27FC236}">
-                <a16:creationId xmlns:a16="http://schemas.microsoft.com/office/drawing/2014/main" xmlns="" id="{14A64E4D-8DED-7830-2955-1BE78C5B0655}"/>
+                <a16:creationId xmlns="" xmlns:a16="http://schemas.microsoft.com/office/drawing/2014/main" id="{14A64E4D-8DED-7830-2955-1BE78C5B0655}"/>
               </a:ext>
             </a:extLst>
           </p:cNvPr>
@@ -3802,7 +3802,7 @@
     </p:spTree>
     <p:extLst>
       <p:ext uri="{BB962C8B-B14F-4D97-AF65-F5344CB8AC3E}">
-        <p14:creationId xmlns:p14="http://schemas.microsoft.com/office/powerpoint/2010/main" xmlns="" val="3000897896"/>
+        <p14:creationId xmlns="" xmlns:p14="http://schemas.microsoft.com/office/powerpoint/2010/main" val="3000897896"/>
       </p:ext>
     </p:extLst>
   </p:cSld>
@@ -4239,7 +4239,7 @@
           <p:cNvPr id="2" name="Title 1">
             <a:extLst>
               <a:ext uri="{FF2B5EF4-FFF2-40B4-BE49-F238E27FC236}">
-                <a16:creationId xmlns:a16="http://schemas.microsoft.com/office/drawing/2014/main" xmlns="" id="{A8A11E26-4C38-41A6-9857-11032CEECD80}"/>
+                <a16:creationId xmlns="" xmlns:a16="http://schemas.microsoft.com/office/drawing/2014/main" id="{A8A11E26-4C38-41A6-9857-11032CEECD80}"/>
               </a:ext>
             </a:extLst>
           </p:cNvPr>
@@ -4262,7 +4262,7 @@
           </a:bodyPr>
           <a:lstStyle/>
           <a:p>
-            <a:pPr algn="ctr"/>
+            <a:pPr algn="just"/>
             <a:r>
               <a:rPr lang="en-US" b="1" dirty="0" smtClean="0">
                 <a:latin typeface="Times New Roman" pitchFamily="18" charset="0"/>
@@ -4288,14 +4288,7 @@
                 <a:latin typeface="Times New Roman" pitchFamily="18" charset="0"/>
                 <a:cs typeface="Times New Roman" pitchFamily="18" charset="0"/>
               </a:rPr>
-              <a:t>: Weather </a:t>
-            </a:r>
-            <a:r>
-              <a:rPr lang="en-US" dirty="0" smtClean="0">
-                <a:latin typeface="Times New Roman" pitchFamily="18" charset="0"/>
-                <a:cs typeface="Times New Roman" pitchFamily="18" charset="0"/>
-              </a:rPr>
-              <a:t>Dashboard</a:t>
+              <a:t>: Weather Dashboard</a:t>
             </a:r>
             <a:endParaRPr lang="en-US" b="1" dirty="0">
               <a:solidFill>
@@ -4423,7 +4416,7 @@
     </p:spTree>
     <p:extLst>
       <p:ext uri="{BB962C8B-B14F-4D97-AF65-F5344CB8AC3E}">
-        <p14:creationId xmlns:p14="http://schemas.microsoft.com/office/powerpoint/2010/main" xmlns="" val="953325580"/>
+        <p14:creationId xmlns="" xmlns:p14="http://schemas.microsoft.com/office/powerpoint/2010/main" val="953325580"/>
       </p:ext>
     </p:extLst>
   </p:cSld>
@@ -4455,7 +4448,7 @@
           <p:cNvPr id="5" name="Title 4">
             <a:extLst>
               <a:ext uri="{FF2B5EF4-FFF2-40B4-BE49-F238E27FC236}">
-                <a16:creationId xmlns:a16="http://schemas.microsoft.com/office/drawing/2014/main" xmlns="" id="{8FBA75B4-2DD5-42EB-9397-F36BFB8BA723}"/>
+                <a16:creationId xmlns="" xmlns:a16="http://schemas.microsoft.com/office/drawing/2014/main" id="{8FBA75B4-2DD5-42EB-9397-F36BFB8BA723}"/>
               </a:ext>
             </a:extLst>
           </p:cNvPr>
@@ -4478,6 +4471,7 @@
           </a:bodyPr>
           <a:lstStyle/>
           <a:p>
+            <a:pPr algn="just"/>
             <a:r>
               <a:rPr lang="en-US" sz="4400" b="1" dirty="0">
                 <a:solidFill>
@@ -4501,7 +4495,7 @@
           <p:cNvPr id="4" name="Rectangle 2">
             <a:extLst>
               <a:ext uri="{FF2B5EF4-FFF2-40B4-BE49-F238E27FC236}">
-                <a16:creationId xmlns:a16="http://schemas.microsoft.com/office/drawing/2014/main" xmlns="" id="{AE90F0D3-BDEA-0292-92F3-78C774C3D8CE}"/>
+                <a16:creationId xmlns="" xmlns:a16="http://schemas.microsoft.com/office/drawing/2014/main" id="{AE90F0D3-BDEA-0292-92F3-78C774C3D8CE}"/>
               </a:ext>
             </a:extLst>
           </p:cNvPr>
@@ -4527,14 +4521,14 @@
           <a:effectLst/>
           <a:extLst>
             <a:ext uri="{909E8E84-426E-40DD-AFC4-6F175D3DCCD1}">
-              <a14:hiddenFill xmlns:a14="http://schemas.microsoft.com/office/drawing/2010/main" xmlns="">
+              <a14:hiddenFill xmlns="" xmlns:a14="http://schemas.microsoft.com/office/drawing/2010/main">
                 <a:solidFill>
                   <a:schemeClr val="accent1"/>
                 </a:solidFill>
               </a14:hiddenFill>
             </a:ext>
             <a:ext uri="{91240B29-F687-4F45-9708-019B960494DF}">
-              <a14:hiddenLine xmlns:a14="http://schemas.microsoft.com/office/drawing/2010/main" xmlns="" w="9525">
+              <a14:hiddenLine xmlns="" xmlns:a14="http://schemas.microsoft.com/office/drawing/2010/main" w="9525">
                 <a:solidFill>
                   <a:schemeClr val="tx1"/>
                 </a:solidFill>
@@ -4544,7 +4538,7 @@
               </a14:hiddenLine>
             </a:ext>
             <a:ext uri="{AF507438-7753-43E0-B8FC-AC1667EBCBE1}">
-              <a14:hiddenEffects xmlns:a14="http://schemas.microsoft.com/office/drawing/2010/main" xmlns="">
+              <a14:hiddenEffects xmlns="" xmlns:a14="http://schemas.microsoft.com/office/drawing/2010/main">
                 <a:effectLst>
                   <a:outerShdw dist="35921" dir="2700000" algn="ctr" rotWithShape="0">
                     <a:schemeClr val="bg2"/>
@@ -4563,6 +4557,7 @@
           </a:bodyPr>
           <a:lstStyle/>
           <a:p>
+            <a:pPr algn="just"/>
             <a:r>
               <a:rPr lang="en-US" sz="1800" dirty="0" smtClean="0">
                 <a:latin typeface="Times New Roman" pitchFamily="18" charset="0"/>
@@ -4572,6 +4567,7 @@
             </a:r>
           </a:p>
           <a:p>
+            <a:pPr algn="just"/>
             <a:r>
               <a:rPr lang="en-US" sz="1800" dirty="0" smtClean="0">
                 <a:latin typeface="Times New Roman" pitchFamily="18" charset="0"/>
@@ -4581,31 +4577,21 @@
             </a:r>
           </a:p>
           <a:p>
+            <a:pPr algn="just"/>
             <a:r>
               <a:rPr lang="en-US" sz="1800" dirty="0" smtClean="0">
                 <a:latin typeface="Times New Roman" pitchFamily="18" charset="0"/>
                 <a:cs typeface="Times New Roman" pitchFamily="18" charset="0"/>
               </a:rPr>
-              <a:t>Interactive, responsive, and informative weather experience</a:t>
-            </a:r>
-            <a:r>
-              <a:rPr lang="en-US" sz="1800" dirty="0" smtClean="0">
-                <a:latin typeface="Times New Roman" pitchFamily="18" charset="0"/>
-                <a:cs typeface="Times New Roman" pitchFamily="18" charset="0"/>
-              </a:rPr>
-              <a:t>.</a:t>
-            </a:r>
-            <a:endParaRPr lang="en-US" sz="1800" dirty="0" smtClean="0">
-              <a:latin typeface="Times New Roman" pitchFamily="18" charset="0"/>
-              <a:cs typeface="Times New Roman" pitchFamily="18" charset="0"/>
-            </a:endParaRPr>
+              <a:t>Interactive, responsive, and informative weather experience.</a:t>
+            </a:r>
           </a:p>
         </p:txBody>
       </p:sp>
     </p:spTree>
     <p:extLst>
       <p:ext uri="{BB962C8B-B14F-4D97-AF65-F5344CB8AC3E}">
-        <p14:creationId xmlns:p14="http://schemas.microsoft.com/office/powerpoint/2010/main" xmlns="" val="3183315129"/>
+        <p14:creationId xmlns="" xmlns:p14="http://schemas.microsoft.com/office/powerpoint/2010/main" val="3183315129"/>
       </p:ext>
     </p:extLst>
   </p:cSld>
@@ -4637,7 +4623,7 @@
           <p:cNvPr id="5" name="Title 4">
             <a:extLst>
               <a:ext uri="{FF2B5EF4-FFF2-40B4-BE49-F238E27FC236}">
-                <a16:creationId xmlns:a16="http://schemas.microsoft.com/office/drawing/2014/main" xmlns="" id="{3F968F13-9AC4-7120-7ACD-9F752C767D5D}"/>
+                <a16:creationId xmlns="" xmlns:a16="http://schemas.microsoft.com/office/drawing/2014/main" id="{3F968F13-9AC4-7120-7ACD-9F752C767D5D}"/>
               </a:ext>
             </a:extLst>
           </p:cNvPr>
@@ -4738,6 +4724,7 @@
             </a:lvl9pPr>
           </a:lstStyle>
           <a:p>
+            <a:pPr algn="just"/>
             <a:r>
               <a:rPr lang="en-US" sz="4400" b="1" dirty="0">
                 <a:solidFill>
@@ -4756,7 +4743,7 @@
           <p:cNvPr id="2" name="Content Placeholder 1">
             <a:extLst>
               <a:ext uri="{FF2B5EF4-FFF2-40B4-BE49-F238E27FC236}">
-                <a16:creationId xmlns:a16="http://schemas.microsoft.com/office/drawing/2014/main" xmlns="" id="{9D34F224-4AA0-CB45-7156-5485779AB06F}"/>
+                <a16:creationId xmlns="" xmlns:a16="http://schemas.microsoft.com/office/drawing/2014/main" id="{9D34F224-4AA0-CB45-7156-5485779AB06F}"/>
               </a:ext>
             </a:extLst>
           </p:cNvPr>
@@ -4782,14 +4769,14 @@
           <a:effectLst/>
           <a:extLst>
             <a:ext uri="{909E8E84-426E-40DD-AFC4-6F175D3DCCD1}">
-              <a14:hiddenFill xmlns:a14="http://schemas.microsoft.com/office/drawing/2010/main" xmlns="">
+              <a14:hiddenFill xmlns="" xmlns:a14="http://schemas.microsoft.com/office/drawing/2010/main">
                 <a:solidFill>
                   <a:schemeClr val="accent1"/>
                 </a:solidFill>
               </a14:hiddenFill>
             </a:ext>
             <a:ext uri="{91240B29-F687-4F45-9708-019B960494DF}">
-              <a14:hiddenLine xmlns:a14="http://schemas.microsoft.com/office/drawing/2010/main" xmlns="" w="9525">
+              <a14:hiddenLine xmlns="" xmlns:a14="http://schemas.microsoft.com/office/drawing/2010/main" w="9525">
                 <a:solidFill>
                   <a:schemeClr val="tx1"/>
                 </a:solidFill>
@@ -4799,7 +4786,7 @@
               </a14:hiddenLine>
             </a:ext>
             <a:ext uri="{AF507438-7753-43E0-B8FC-AC1667EBCBE1}">
-              <a14:hiddenEffects xmlns:a14="http://schemas.microsoft.com/office/drawing/2010/main" xmlns="">
+              <a14:hiddenEffects xmlns="" xmlns:a14="http://schemas.microsoft.com/office/drawing/2010/main">
                 <a:effectLst>
                   <a:outerShdw dist="35921" dir="2700000" algn="ctr" rotWithShape="0">
                     <a:schemeClr val="bg2"/>
@@ -4818,6 +4805,7 @@
           </a:bodyPr>
           <a:lstStyle/>
           <a:p>
+            <a:pPr algn="just"/>
             <a:r>
               <a:rPr lang="en-US" sz="1800" b="1" dirty="0" smtClean="0">
                 <a:latin typeface="Times New Roman" pitchFamily="18" charset="0"/>
@@ -4834,88 +4822,64 @@
             </a:r>
           </a:p>
           <a:p>
+            <a:pPr algn="just"/>
             <a:r>
               <a:rPr lang="en-US" sz="1800" b="1" dirty="0" smtClean="0">
                 <a:latin typeface="Times New Roman" pitchFamily="18" charset="0"/>
                 <a:cs typeface="Times New Roman" pitchFamily="18" charset="0"/>
               </a:rPr>
-              <a:t>Push </a:t>
-            </a:r>
+              <a:t>Push Notifications</a:t>
+            </a:r>
+            <a:r>
+              <a:rPr lang="en-US" sz="1800" dirty="0" smtClean="0">
+                <a:latin typeface="Times New Roman" pitchFamily="18" charset="0"/>
+                <a:cs typeface="Times New Roman" pitchFamily="18" charset="0"/>
+              </a:rPr>
+              <a:t> – real-time alerts for severe weather conditions.</a:t>
+            </a:r>
+          </a:p>
+          <a:p>
+            <a:pPr algn="just"/>
             <a:r>
               <a:rPr lang="en-US" sz="1800" b="1" dirty="0" smtClean="0">
                 <a:latin typeface="Times New Roman" pitchFamily="18" charset="0"/>
                 <a:cs typeface="Times New Roman" pitchFamily="18" charset="0"/>
               </a:rPr>
-              <a:t>Notifications</a:t>
+              <a:t>Hourly Forecast Support</a:t>
             </a:r>
             <a:r>
               <a:rPr lang="en-US" sz="1800" dirty="0" smtClean="0">
                 <a:latin typeface="Times New Roman" pitchFamily="18" charset="0"/>
                 <a:cs typeface="Times New Roman" pitchFamily="18" charset="0"/>
               </a:rPr>
-              <a:t> – real-time alerts for severe weather conditions.</a:t>
-            </a:r>
-          </a:p>
-          <a:p>
+              <a:t> – provide more detailed weather predictions.</a:t>
+            </a:r>
+          </a:p>
+          <a:p>
+            <a:pPr algn="just"/>
             <a:r>
               <a:rPr lang="en-US" sz="1800" b="1" dirty="0" smtClean="0">
                 <a:latin typeface="Times New Roman" pitchFamily="18" charset="0"/>
                 <a:cs typeface="Times New Roman" pitchFamily="18" charset="0"/>
               </a:rPr>
-              <a:t>Hourly </a:t>
-            </a:r>
+              <a:t>Dark/Light Theme Toggle</a:t>
+            </a:r>
+            <a:r>
+              <a:rPr lang="en-US" sz="1800" dirty="0" smtClean="0">
+                <a:latin typeface="Times New Roman" pitchFamily="18" charset="0"/>
+                <a:cs typeface="Times New Roman" pitchFamily="18" charset="0"/>
+              </a:rPr>
+              <a:t> – enhance user experience with customizable themes.</a:t>
+            </a:r>
+          </a:p>
+          <a:p>
+            <a:pPr algn="just"/>
             <a:r>
               <a:rPr lang="en-US" sz="1800" b="1" dirty="0" smtClean="0">
                 <a:latin typeface="Times New Roman" pitchFamily="18" charset="0"/>
                 <a:cs typeface="Times New Roman" pitchFamily="18" charset="0"/>
               </a:rPr>
-              <a:t>Forecast Support</a:t>
-            </a:r>
-            <a:r>
-              <a:rPr lang="en-US" sz="1800" dirty="0" smtClean="0">
-                <a:latin typeface="Times New Roman" pitchFamily="18" charset="0"/>
-                <a:cs typeface="Times New Roman" pitchFamily="18" charset="0"/>
-              </a:rPr>
-              <a:t> – provide more detailed weather predictions.</a:t>
-            </a:r>
-          </a:p>
-          <a:p>
-            <a:r>
-              <a:rPr lang="en-US" sz="1800" b="1" dirty="0" smtClean="0">
-                <a:latin typeface="Times New Roman" pitchFamily="18" charset="0"/>
-                <a:cs typeface="Times New Roman" pitchFamily="18" charset="0"/>
-              </a:rPr>
-              <a:t>Dark/Light </a:t>
-            </a:r>
-            <a:r>
-              <a:rPr lang="en-US" sz="1800" b="1" dirty="0" smtClean="0">
-                <a:latin typeface="Times New Roman" pitchFamily="18" charset="0"/>
-                <a:cs typeface="Times New Roman" pitchFamily="18" charset="0"/>
-              </a:rPr>
-              <a:t>Theme Toggle</a:t>
-            </a:r>
-            <a:r>
-              <a:rPr lang="en-US" sz="1800" dirty="0" smtClean="0">
-                <a:latin typeface="Times New Roman" pitchFamily="18" charset="0"/>
-                <a:cs typeface="Times New Roman" pitchFamily="18" charset="0"/>
-              </a:rPr>
-              <a:t> – enhance user experience with customizable themes.</a:t>
-            </a:r>
-          </a:p>
-          <a:p>
-            <a:r>
-              <a:rPr lang="en-US" sz="1800" b="1" dirty="0" smtClean="0">
-                <a:latin typeface="Times New Roman" pitchFamily="18" charset="0"/>
-                <a:cs typeface="Times New Roman" pitchFamily="18" charset="0"/>
-              </a:rPr>
-              <a:t>Mobile </a:t>
-            </a:r>
-            <a:r>
-              <a:rPr lang="en-US" sz="1800" b="1" dirty="0" smtClean="0">
-                <a:latin typeface="Times New Roman" pitchFamily="18" charset="0"/>
-                <a:cs typeface="Times New Roman" pitchFamily="18" charset="0"/>
-              </a:rPr>
-              <a:t>App Version</a:t>
+              <a:t>Mobile App Version</a:t>
             </a:r>
             <a:r>
               <a:rPr lang="en-US" sz="1800" dirty="0" smtClean="0">
@@ -4944,7 +4908,7 @@
     </p:spTree>
     <p:extLst>
       <p:ext uri="{BB962C8B-B14F-4D97-AF65-F5344CB8AC3E}">
-        <p14:creationId xmlns:p14="http://schemas.microsoft.com/office/powerpoint/2010/main" xmlns="" val="614882681"/>
+        <p14:creationId xmlns="" xmlns:p14="http://schemas.microsoft.com/office/powerpoint/2010/main" val="614882681"/>
       </p:ext>
     </p:extLst>
   </p:cSld>
@@ -4976,7 +4940,7 @@
           <p:cNvPr id="5" name="Title 4">
             <a:extLst>
               <a:ext uri="{FF2B5EF4-FFF2-40B4-BE49-F238E27FC236}">
-                <a16:creationId xmlns:a16="http://schemas.microsoft.com/office/drawing/2014/main" xmlns="" id="{8FBA75B4-2DD5-42EB-9397-F36BFB8BA723}"/>
+                <a16:creationId xmlns="" xmlns:a16="http://schemas.microsoft.com/office/drawing/2014/main" id="{8FBA75B4-2DD5-42EB-9397-F36BFB8BA723}"/>
               </a:ext>
             </a:extLst>
           </p:cNvPr>
@@ -4999,6 +4963,7 @@
           </a:bodyPr>
           <a:lstStyle/>
           <a:p>
+            <a:pPr algn="just"/>
             <a:r>
               <a:rPr lang="en-US" sz="4400" b="1" dirty="0">
                 <a:solidFill>
@@ -5022,7 +4987,7 @@
           <p:cNvPr id="2" name="Content Placeholder 1">
             <a:extLst>
               <a:ext uri="{FF2B5EF4-FFF2-40B4-BE49-F238E27FC236}">
-                <a16:creationId xmlns:a16="http://schemas.microsoft.com/office/drawing/2014/main" xmlns="" id="{357C38BC-22B3-37B2-E0C3-812020A76077}"/>
+                <a16:creationId xmlns="" xmlns:a16="http://schemas.microsoft.com/office/drawing/2014/main" id="{357C38BC-22B3-37B2-E0C3-812020A76077}"/>
               </a:ext>
             </a:extLst>
           </p:cNvPr>
@@ -5045,6 +5010,7 @@
           </a:bodyPr>
           <a:lstStyle/>
           <a:p>
+            <a:pPr algn="just"/>
             <a:r>
               <a:rPr lang="en-US" sz="2400" dirty="0" err="1" smtClean="0">
                 <a:latin typeface="Times New Roman" pitchFamily="18" charset="0"/>
@@ -5067,6 +5033,7 @@
             </a:endParaRPr>
           </a:p>
           <a:p>
+            <a:pPr algn="just"/>
             <a:r>
               <a:rPr lang="en-US" sz="2400" dirty="0" smtClean="0">
                 <a:latin typeface="Times New Roman" pitchFamily="18" charset="0"/>
@@ -5076,31 +5043,21 @@
             </a:r>
           </a:p>
           <a:p>
+            <a:pPr algn="just"/>
             <a:r>
               <a:rPr lang="en-US" sz="2400" dirty="0" smtClean="0">
                 <a:latin typeface="Times New Roman" pitchFamily="18" charset="0"/>
                 <a:cs typeface="Times New Roman" pitchFamily="18" charset="0"/>
               </a:rPr>
-              <a:t>MDN Web Docs (JavaScript, Fetch API, CSS</a:t>
-            </a:r>
-            <a:r>
-              <a:rPr lang="en-US" sz="2400" dirty="0" smtClean="0">
-                <a:latin typeface="Times New Roman" pitchFamily="18" charset="0"/>
-                <a:cs typeface="Times New Roman" pitchFamily="18" charset="0"/>
-              </a:rPr>
-              <a:t>)</a:t>
-            </a:r>
-            <a:endParaRPr lang="en-US" sz="2400" dirty="0" smtClean="0">
-              <a:latin typeface="Times New Roman" pitchFamily="18" charset="0"/>
-              <a:cs typeface="Times New Roman" pitchFamily="18" charset="0"/>
-            </a:endParaRPr>
+              <a:t>MDN Web Docs (JavaScript, Fetch API, CSS)</a:t>
+            </a:r>
           </a:p>
         </p:txBody>
       </p:sp>
     </p:spTree>
     <p:extLst>
       <p:ext uri="{BB962C8B-B14F-4D97-AF65-F5344CB8AC3E}">
-        <p14:creationId xmlns:p14="http://schemas.microsoft.com/office/powerpoint/2010/main" xmlns="" val="728950222"/>
+        <p14:creationId xmlns="" xmlns:p14="http://schemas.microsoft.com/office/powerpoint/2010/main" val="728950222"/>
       </p:ext>
     </p:extLst>
   </p:cSld>
@@ -5132,7 +5089,7 @@
           <p:cNvPr id="5" name="Title 4">
             <a:extLst>
               <a:ext uri="{FF2B5EF4-FFF2-40B4-BE49-F238E27FC236}">
-                <a16:creationId xmlns:a16="http://schemas.microsoft.com/office/drawing/2014/main" xmlns="" id="{8BE4CA82-64EC-4D4E-A5E5-3EBB66E7B24C}"/>
+                <a16:creationId xmlns="" xmlns:a16="http://schemas.microsoft.com/office/drawing/2014/main" id="{8BE4CA82-64EC-4D4E-A5E5-3EBB66E7B24C}"/>
               </a:ext>
             </a:extLst>
           </p:cNvPr>
@@ -5170,7 +5127,7 @@
     </p:spTree>
     <p:extLst>
       <p:ext uri="{BB962C8B-B14F-4D97-AF65-F5344CB8AC3E}">
-        <p14:creationId xmlns:p14="http://schemas.microsoft.com/office/powerpoint/2010/main" xmlns="" val="4066255318"/>
+        <p14:creationId xmlns="" xmlns:p14="http://schemas.microsoft.com/office/powerpoint/2010/main" val="4066255318"/>
       </p:ext>
     </p:extLst>
   </p:cSld>
@@ -5202,7 +5159,7 @@
           <p:cNvPr id="2" name="Title 1">
             <a:extLst>
               <a:ext uri="{FF2B5EF4-FFF2-40B4-BE49-F238E27FC236}">
-                <a16:creationId xmlns:a16="http://schemas.microsoft.com/office/drawing/2014/main" xmlns="" id="{49FFEB4C-F209-4AE7-AA2B-B3C26CE2C51D}"/>
+                <a16:creationId xmlns="" xmlns:a16="http://schemas.microsoft.com/office/drawing/2014/main" id="{49FFEB4C-F209-4AE7-AA2B-B3C26CE2C51D}"/>
               </a:ext>
             </a:extLst>
           </p:cNvPr>
@@ -5223,6 +5180,7 @@
           <a:bodyPr/>
           <a:lstStyle/>
           <a:p>
+            <a:pPr algn="just"/>
             <a:r>
               <a:rPr lang="en-US" b="1" dirty="0">
                 <a:solidFill>
@@ -5241,7 +5199,7 @@
           <p:cNvPr id="3" name="Content Placeholder 2">
             <a:extLst>
               <a:ext uri="{FF2B5EF4-FFF2-40B4-BE49-F238E27FC236}">
-                <a16:creationId xmlns:a16="http://schemas.microsoft.com/office/drawing/2014/main" xmlns="" id="{B2678641-EEA3-4EC4-BF39-4075B0C120E8}"/>
+                <a16:creationId xmlns="" xmlns:a16="http://schemas.microsoft.com/office/drawing/2014/main" id="{B2678641-EEA3-4EC4-BF39-4075B0C120E8}"/>
               </a:ext>
             </a:extLst>
           </p:cNvPr>
@@ -5264,7 +5222,7 @@
           </a:bodyPr>
           <a:lstStyle/>
           <a:p>
-            <a:pPr marL="0" indent="0">
+            <a:pPr marL="0" indent="0" algn="just">
               <a:buNone/>
             </a:pPr>
             <a:r>
@@ -5281,7 +5239,7 @@
             </a:endParaRPr>
           </a:p>
           <a:p>
-            <a:pPr marL="305435" indent="-305435"/>
+            <a:pPr marL="305435" indent="-305435" algn="just"/>
             <a:r>
               <a:rPr lang="en-US" sz="2000" b="1" dirty="0">
                 <a:latin typeface="Times New Roman" pitchFamily="18" charset="0"/>
@@ -5304,7 +5262,7 @@
             </a:endParaRPr>
           </a:p>
           <a:p>
-            <a:pPr marL="305435" indent="-305435"/>
+            <a:pPr marL="305435" indent="-305435" algn="just"/>
             <a:r>
               <a:rPr lang="en-US" sz="2000" b="1" dirty="0">
                 <a:latin typeface="Times New Roman" pitchFamily="18" charset="0"/>
@@ -5328,7 +5286,7 @@
             </a:endParaRPr>
           </a:p>
           <a:p>
-            <a:pPr marL="305435" indent="-305435"/>
+            <a:pPr marL="305435" indent="-305435" algn="just"/>
             <a:r>
               <a:rPr lang="en-US" sz="2000" b="1" dirty="0">
                 <a:latin typeface="Times New Roman" pitchFamily="18" charset="0"/>
@@ -5343,7 +5301,7 @@
             </a:endParaRPr>
           </a:p>
           <a:p>
-            <a:pPr marL="305435" indent="-305435"/>
+            <a:pPr marL="305435" indent="-305435" algn="just"/>
             <a:r>
               <a:rPr lang="en-US" sz="2000" b="1" dirty="0">
                 <a:latin typeface="Times New Roman" pitchFamily="18" charset="0"/>
@@ -5354,7 +5312,7 @@
             </a:r>
           </a:p>
           <a:p>
-            <a:pPr marL="305435" indent="-305435"/>
+            <a:pPr marL="305435" indent="-305435" algn="just"/>
             <a:r>
               <a:rPr lang="en-US" sz="2000" b="1" dirty="0">
                 <a:latin typeface="Times New Roman" pitchFamily="18" charset="0"/>
@@ -5369,7 +5327,7 @@
             </a:endParaRPr>
           </a:p>
           <a:p>
-            <a:pPr marL="305435" indent="-305435"/>
+            <a:pPr marL="305435" indent="-305435" algn="just"/>
             <a:r>
               <a:rPr lang="en-US" sz="2000" b="1" dirty="0">
                 <a:latin typeface="Times New Roman" pitchFamily="18" charset="0"/>
@@ -5380,7 +5338,7 @@
             </a:r>
           </a:p>
           <a:p>
-            <a:pPr marL="305435" indent="-305435"/>
+            <a:pPr marL="305435" indent="-305435" algn="just"/>
             <a:r>
               <a:rPr lang="en-US" sz="2000" b="1" dirty="0">
                 <a:latin typeface="Times New Roman" pitchFamily="18" charset="0"/>
@@ -5395,7 +5353,7 @@
             </a:endParaRPr>
           </a:p>
           <a:p>
-            <a:pPr marL="305435" indent="-305435"/>
+            <a:pPr marL="305435" indent="-305435" algn="just"/>
             <a:endParaRPr lang="en-US" dirty="0">
               <a:latin typeface="Times New Roman" pitchFamily="18" charset="0"/>
               <a:cs typeface="Times New Roman" pitchFamily="18" charset="0"/>
@@ -5406,7 +5364,7 @@
     </p:spTree>
     <p:extLst>
       <p:ext uri="{BB962C8B-B14F-4D97-AF65-F5344CB8AC3E}">
-        <p14:creationId xmlns:p14="http://schemas.microsoft.com/office/powerpoint/2010/main" xmlns="" val="2900153716"/>
+        <p14:creationId xmlns="" xmlns:p14="http://schemas.microsoft.com/office/powerpoint/2010/main" val="2900153716"/>
       </p:ext>
     </p:extLst>
   </p:cSld>
@@ -5438,7 +5396,7 @@
           <p:cNvPr id="5" name="Title 4">
             <a:extLst>
               <a:ext uri="{FF2B5EF4-FFF2-40B4-BE49-F238E27FC236}">
-                <a16:creationId xmlns:a16="http://schemas.microsoft.com/office/drawing/2014/main" xmlns="" id="{8FBA75B4-2DD5-42EB-9397-F36BFB8BA723}"/>
+                <a16:creationId xmlns="" xmlns:a16="http://schemas.microsoft.com/office/drawing/2014/main" id="{8FBA75B4-2DD5-42EB-9397-F36BFB8BA723}"/>
               </a:ext>
             </a:extLst>
           </p:cNvPr>
@@ -5461,6 +5419,7 @@
           </a:bodyPr>
           <a:lstStyle/>
           <a:p>
+            <a:pPr algn="just"/>
             <a:r>
               <a:rPr lang="en-US" sz="4400" b="1" dirty="0">
                 <a:solidFill>
@@ -5483,7 +5442,7 @@
           <p:cNvPr id="6" name="Rectangle 2">
             <a:extLst>
               <a:ext uri="{FF2B5EF4-FFF2-40B4-BE49-F238E27FC236}">
-                <a16:creationId xmlns:a16="http://schemas.microsoft.com/office/drawing/2014/main" xmlns="" id="{E6FA226B-B793-1ABD-FBA7-D34D3073B2DB}"/>
+                <a16:creationId xmlns="" xmlns:a16="http://schemas.microsoft.com/office/drawing/2014/main" id="{E6FA226B-B793-1ABD-FBA7-D34D3073B2DB}"/>
               </a:ext>
             </a:extLst>
           </p:cNvPr>
@@ -5509,14 +5468,14 @@
           <a:effectLst/>
           <a:extLst>
             <a:ext uri="{909E8E84-426E-40DD-AFC4-6F175D3DCCD1}">
-              <a14:hiddenFill xmlns:a14="http://schemas.microsoft.com/office/drawing/2010/main" xmlns="">
+              <a14:hiddenFill xmlns="" xmlns:a14="http://schemas.microsoft.com/office/drawing/2010/main">
                 <a:solidFill>
                   <a:schemeClr val="accent1"/>
                 </a:solidFill>
               </a14:hiddenFill>
             </a:ext>
             <a:ext uri="{91240B29-F687-4F45-9708-019B960494DF}">
-              <a14:hiddenLine xmlns:a14="http://schemas.microsoft.com/office/drawing/2010/main" xmlns="" w="9525">
+              <a14:hiddenLine xmlns="" xmlns:a14="http://schemas.microsoft.com/office/drawing/2010/main" w="9525">
                 <a:solidFill>
                   <a:schemeClr val="tx1"/>
                 </a:solidFill>
@@ -5526,7 +5485,7 @@
               </a14:hiddenLine>
             </a:ext>
             <a:ext uri="{AF507438-7753-43E0-B8FC-AC1667EBCBE1}">
-              <a14:hiddenEffects xmlns:a14="http://schemas.microsoft.com/office/drawing/2010/main" xmlns="">
+              <a14:hiddenEffects xmlns="" xmlns:a14="http://schemas.microsoft.com/office/drawing/2010/main">
                 <a:effectLst>
                   <a:outerShdw dist="35921" dir="2700000" algn="ctr" rotWithShape="0">
                     <a:schemeClr val="bg2"/>
@@ -5545,6 +5504,7 @@
           </a:bodyPr>
           <a:lstStyle/>
           <a:p>
+            <a:pPr algn="just"/>
             <a:r>
               <a:rPr lang="en-US" sz="1800" dirty="0" smtClean="0">
                 <a:latin typeface="Times New Roman" pitchFamily="18" charset="0"/>
@@ -5554,6 +5514,7 @@
             </a:r>
           </a:p>
           <a:p>
+            <a:pPr algn="just"/>
             <a:r>
               <a:rPr lang="en-US" sz="1800" dirty="0" smtClean="0">
                 <a:latin typeface="Times New Roman" pitchFamily="18" charset="0"/>
@@ -5563,6 +5524,7 @@
             </a:r>
           </a:p>
           <a:p>
+            <a:pPr algn="just"/>
             <a:r>
               <a:rPr lang="en-US" sz="1800" dirty="0" smtClean="0">
                 <a:latin typeface="Times New Roman" pitchFamily="18" charset="0"/>
@@ -5586,6 +5548,7 @@
             </a:r>
           </a:p>
           <a:p>
+            <a:pPr algn="just"/>
             <a:r>
               <a:rPr lang="en-US" sz="1800" dirty="0" smtClean="0">
                 <a:latin typeface="Times New Roman" pitchFamily="18" charset="0"/>
@@ -5619,26 +5582,15 @@
                 <a:latin typeface="Times New Roman" pitchFamily="18" charset="0"/>
                 <a:cs typeface="Times New Roman" pitchFamily="18" charset="0"/>
               </a:rPr>
-              <a:t> easily</a:t>
-            </a:r>
-            <a:r>
-              <a:rPr lang="en-US" sz="1800" dirty="0" smtClean="0">
-                <a:latin typeface="Times New Roman" pitchFamily="18" charset="0"/>
-                <a:cs typeface="Times New Roman" pitchFamily="18" charset="0"/>
-              </a:rPr>
-              <a:t>.</a:t>
-            </a:r>
-            <a:endParaRPr lang="en-US" sz="1800" dirty="0" smtClean="0">
-              <a:latin typeface="Times New Roman" pitchFamily="18" charset="0"/>
-              <a:cs typeface="Times New Roman" pitchFamily="18" charset="0"/>
-            </a:endParaRPr>
+              <a:t> easily.</a:t>
+            </a:r>
           </a:p>
         </p:txBody>
       </p:sp>
     </p:spTree>
     <p:extLst>
       <p:ext uri="{BB962C8B-B14F-4D97-AF65-F5344CB8AC3E}">
-        <p14:creationId xmlns:p14="http://schemas.microsoft.com/office/powerpoint/2010/main" xmlns="" val="1186421160"/>
+        <p14:creationId xmlns="" xmlns:p14="http://schemas.microsoft.com/office/powerpoint/2010/main" val="1186421160"/>
       </p:ext>
     </p:extLst>
   </p:cSld>
@@ -5670,7 +5622,7 @@
           <p:cNvPr id="5" name="Title 4">
             <a:extLst>
               <a:ext uri="{FF2B5EF4-FFF2-40B4-BE49-F238E27FC236}">
-                <a16:creationId xmlns:a16="http://schemas.microsoft.com/office/drawing/2014/main" xmlns="" id="{8FBA75B4-2DD5-42EB-9397-F36BFB8BA723}"/>
+                <a16:creationId xmlns="" xmlns:a16="http://schemas.microsoft.com/office/drawing/2014/main" id="{8FBA75B4-2DD5-42EB-9397-F36BFB8BA723}"/>
               </a:ext>
             </a:extLst>
           </p:cNvPr>
@@ -5693,6 +5645,7 @@
           </a:bodyPr>
           <a:lstStyle/>
           <a:p>
+            <a:pPr algn="just"/>
             <a:r>
               <a:rPr lang="en-US" sz="4400" b="1" dirty="0">
                 <a:solidFill>
@@ -5719,7 +5672,7 @@
           <p:cNvPr id="3" name="Rectangle 1">
             <a:extLst>
               <a:ext uri="{FF2B5EF4-FFF2-40B4-BE49-F238E27FC236}">
-                <a16:creationId xmlns:a16="http://schemas.microsoft.com/office/drawing/2014/main" xmlns="" id="{6F47B10D-BA02-E027-46A1-3EB9B387A427}"/>
+                <a16:creationId xmlns="" xmlns:a16="http://schemas.microsoft.com/office/drawing/2014/main" id="{6F47B10D-BA02-E027-46A1-3EB9B387A427}"/>
               </a:ext>
             </a:extLst>
           </p:cNvPr>
@@ -5745,14 +5698,14 @@
           <a:effectLst/>
           <a:extLst>
             <a:ext uri="{909E8E84-426E-40DD-AFC4-6F175D3DCCD1}">
-              <a14:hiddenFill xmlns:a14="http://schemas.microsoft.com/office/drawing/2010/main" xmlns="">
+              <a14:hiddenFill xmlns="" xmlns:a14="http://schemas.microsoft.com/office/drawing/2010/main">
                 <a:solidFill>
                   <a:schemeClr val="accent1"/>
                 </a:solidFill>
               </a14:hiddenFill>
             </a:ext>
             <a:ext uri="{91240B29-F687-4F45-9708-019B960494DF}">
-              <a14:hiddenLine xmlns:a14="http://schemas.microsoft.com/office/drawing/2010/main" xmlns="" w="9525">
+              <a14:hiddenLine xmlns="" xmlns:a14="http://schemas.microsoft.com/office/drawing/2010/main" w="9525">
                 <a:solidFill>
                   <a:schemeClr val="tx1"/>
                 </a:solidFill>
@@ -5762,7 +5715,7 @@
               </a14:hiddenLine>
             </a:ext>
             <a:ext uri="{AF507438-7753-43E0-B8FC-AC1667EBCBE1}">
-              <a14:hiddenEffects xmlns:a14="http://schemas.microsoft.com/office/drawing/2010/main" xmlns="">
+              <a14:hiddenEffects xmlns="" xmlns:a14="http://schemas.microsoft.com/office/drawing/2010/main">
                 <a:effectLst>
                   <a:outerShdw dist="35921" dir="2700000" algn="ctr" rotWithShape="0">
                     <a:schemeClr val="bg2"/>
@@ -5781,6 +5734,7 @@
           </a:bodyPr>
           <a:lstStyle/>
           <a:p>
+            <a:pPr algn="just"/>
             <a:r>
               <a:rPr lang="en-US" sz="1800" b="1" dirty="0" smtClean="0">
                 <a:latin typeface="Times New Roman" pitchFamily="18" charset="0"/>
@@ -5794,6 +5748,7 @@
             </a:endParaRPr>
           </a:p>
           <a:p>
+            <a:pPr algn="just"/>
             <a:r>
               <a:rPr lang="en-US" sz="1800" dirty="0" smtClean="0">
                 <a:latin typeface="Times New Roman" pitchFamily="18" charset="0"/>
@@ -5803,6 +5758,7 @@
             </a:r>
           </a:p>
           <a:p>
+            <a:pPr algn="just"/>
             <a:r>
               <a:rPr lang="en-US" sz="1800" dirty="0" smtClean="0">
                 <a:latin typeface="Times New Roman" pitchFamily="18" charset="0"/>
@@ -5812,6 +5768,7 @@
             </a:r>
           </a:p>
           <a:p>
+            <a:pPr algn="just"/>
             <a:r>
               <a:rPr lang="en-US" sz="1800" dirty="0" smtClean="0">
                 <a:latin typeface="Times New Roman" pitchFamily="18" charset="0"/>
@@ -5821,6 +5778,7 @@
             </a:r>
           </a:p>
           <a:p>
+            <a:pPr algn="just"/>
             <a:r>
               <a:rPr lang="en-US" sz="1800" b="1" dirty="0" smtClean="0">
                 <a:latin typeface="Times New Roman" pitchFamily="18" charset="0"/>
@@ -5834,6 +5792,7 @@
             </a:endParaRPr>
           </a:p>
           <a:p>
+            <a:pPr algn="just"/>
             <a:r>
               <a:rPr lang="en-US" sz="1800" dirty="0" smtClean="0">
                 <a:latin typeface="Times New Roman" pitchFamily="18" charset="0"/>
@@ -5843,6 +5802,7 @@
             </a:r>
           </a:p>
           <a:p>
+            <a:pPr algn="just"/>
             <a:r>
               <a:rPr lang="en-US" sz="1800" dirty="0" smtClean="0">
                 <a:latin typeface="Times New Roman" pitchFamily="18" charset="0"/>
@@ -5852,6 +5812,7 @@
             </a:r>
           </a:p>
           <a:p>
+            <a:pPr algn="just"/>
             <a:r>
               <a:rPr lang="en-US" sz="1800" dirty="0" smtClean="0">
                 <a:latin typeface="Times New Roman" pitchFamily="18" charset="0"/>
@@ -5871,26 +5832,15 @@
                 <a:latin typeface="Times New Roman" pitchFamily="18" charset="0"/>
                 <a:cs typeface="Times New Roman" pitchFamily="18" charset="0"/>
               </a:rPr>
-              <a:t> </a:t>
-            </a:r>
-            <a:r>
-              <a:rPr lang="en-US" sz="1800" dirty="0" smtClean="0">
-                <a:latin typeface="Times New Roman" pitchFamily="18" charset="0"/>
-                <a:cs typeface="Times New Roman" pitchFamily="18" charset="0"/>
-              </a:rPr>
-              <a:t>API</a:t>
-            </a:r>
-            <a:endParaRPr lang="en-US" sz="1800" dirty="0" smtClean="0">
-              <a:latin typeface="Times New Roman" pitchFamily="18" charset="0"/>
-              <a:cs typeface="Times New Roman" pitchFamily="18" charset="0"/>
-            </a:endParaRPr>
+              <a:t> API</a:t>
+            </a:r>
           </a:p>
         </p:txBody>
       </p:sp>
     </p:spTree>
     <p:extLst>
       <p:ext uri="{BB962C8B-B14F-4D97-AF65-F5344CB8AC3E}">
-        <p14:creationId xmlns:p14="http://schemas.microsoft.com/office/powerpoint/2010/main" xmlns="" val="3202024527"/>
+        <p14:creationId xmlns="" xmlns:p14="http://schemas.microsoft.com/office/powerpoint/2010/main" val="3202024527"/>
       </p:ext>
     </p:extLst>
   </p:cSld>
@@ -5922,7 +5872,7 @@
           <p:cNvPr id="5" name="Title 4">
             <a:extLst>
               <a:ext uri="{FF2B5EF4-FFF2-40B4-BE49-F238E27FC236}">
-                <a16:creationId xmlns:a16="http://schemas.microsoft.com/office/drawing/2014/main" xmlns="" id="{8FBA75B4-2DD5-42EB-9397-F36BFB8BA723}"/>
+                <a16:creationId xmlns="" xmlns:a16="http://schemas.microsoft.com/office/drawing/2014/main" id="{8FBA75B4-2DD5-42EB-9397-F36BFB8BA723}"/>
               </a:ext>
             </a:extLst>
           </p:cNvPr>
@@ -5935,7 +5885,7 @@
         </p:nvSpPr>
         <p:spPr>
           <a:xfrm>
-            <a:off x="599853" y="1327307"/>
+            <a:off x="599853" y="1299314"/>
             <a:ext cx="11029616" cy="530296"/>
           </a:xfrm>
         </p:spPr>
@@ -5945,6 +5895,7 @@
           </a:bodyPr>
           <a:lstStyle/>
           <a:p>
+            <a:pPr algn="just"/>
             <a:r>
               <a:rPr lang="en-US" sz="4400" b="1" dirty="0">
                 <a:solidFill>
@@ -5968,7 +5919,7 @@
           <p:cNvPr id="3" name="Rectangle 1">
             <a:extLst>
               <a:ext uri="{FF2B5EF4-FFF2-40B4-BE49-F238E27FC236}">
-                <a16:creationId xmlns:a16="http://schemas.microsoft.com/office/drawing/2014/main" xmlns="" id="{2A13D4AF-BC64-937B-E983-E2F50E4F343E}"/>
+                <a16:creationId xmlns="" xmlns:a16="http://schemas.microsoft.com/office/drawing/2014/main" id="{2A13D4AF-BC64-937B-E983-E2F50E4F343E}"/>
               </a:ext>
             </a:extLst>
           </p:cNvPr>
@@ -5981,7 +5932,7 @@
         </p:nvSpPr>
         <p:spPr bwMode="auto">
           <a:xfrm>
-            <a:off x="693160" y="2141781"/>
+            <a:off x="693160" y="2113788"/>
             <a:ext cx="8194616" cy="2997231"/>
           </a:xfrm>
           <a:prstGeom prst="rect">
@@ -5994,14 +5945,14 @@
           <a:effectLst/>
           <a:extLst>
             <a:ext uri="{909E8E84-426E-40DD-AFC4-6F175D3DCCD1}">
-              <a14:hiddenFill xmlns:a14="http://schemas.microsoft.com/office/drawing/2010/main" xmlns="">
+              <a14:hiddenFill xmlns="" xmlns:a14="http://schemas.microsoft.com/office/drawing/2010/main">
                 <a:solidFill>
                   <a:schemeClr val="accent1"/>
                 </a:solidFill>
               </a14:hiddenFill>
             </a:ext>
             <a:ext uri="{91240B29-F687-4F45-9708-019B960494DF}">
-              <a14:hiddenLine xmlns:a14="http://schemas.microsoft.com/office/drawing/2010/main" xmlns="" w="9525">
+              <a14:hiddenLine xmlns="" xmlns:a14="http://schemas.microsoft.com/office/drawing/2010/main" w="9525">
                 <a:solidFill>
                   <a:schemeClr val="tx1"/>
                 </a:solidFill>
@@ -6011,7 +5962,7 @@
               </a14:hiddenLine>
             </a:ext>
             <a:ext uri="{AF507438-7753-43E0-B8FC-AC1667EBCBE1}">
-              <a14:hiddenEffects xmlns:a14="http://schemas.microsoft.com/office/drawing/2010/main" xmlns="">
+              <a14:hiddenEffects xmlns="" xmlns:a14="http://schemas.microsoft.com/office/drawing/2010/main">
                 <a:effectLst>
                   <a:outerShdw dist="35921" dir="2700000" algn="ctr" rotWithShape="0">
                     <a:schemeClr val="bg2"/>
@@ -6030,6 +5981,7 @@
           </a:bodyPr>
           <a:lstStyle/>
           <a:p>
+            <a:pPr algn="just"/>
             <a:r>
               <a:rPr lang="en-US" sz="1800" b="1" dirty="0" smtClean="0">
                 <a:latin typeface="Times New Roman" pitchFamily="18" charset="0"/>
@@ -6043,6 +5995,7 @@
             </a:endParaRPr>
           </a:p>
           <a:p>
+            <a:pPr algn="just"/>
             <a:r>
               <a:rPr lang="en-US" sz="1800" b="1" dirty="0" smtClean="0">
                 <a:latin typeface="Times New Roman" pitchFamily="18" charset="0"/>
@@ -6070,6 +6023,7 @@
             </a:endParaRPr>
           </a:p>
           <a:p>
+            <a:pPr algn="just"/>
             <a:r>
               <a:rPr lang="en-US" sz="1800" b="1" dirty="0" smtClean="0">
                 <a:latin typeface="Times New Roman" pitchFamily="18" charset="0"/>
@@ -6097,6 +6051,7 @@
             </a:endParaRPr>
           </a:p>
           <a:p>
+            <a:pPr algn="just"/>
             <a:r>
               <a:rPr lang="en-US" sz="1800" b="1" dirty="0" smtClean="0">
                 <a:latin typeface="Times New Roman" pitchFamily="18" charset="0"/>
@@ -6113,6 +6068,7 @@
             </a:r>
           </a:p>
           <a:p>
+            <a:pPr algn="just"/>
             <a:r>
               <a:rPr lang="en-US" sz="1800" b="1" dirty="0" smtClean="0">
                 <a:latin typeface="Times New Roman" pitchFamily="18" charset="0"/>
@@ -6129,6 +6085,7 @@
             </a:r>
           </a:p>
           <a:p>
+            <a:pPr algn="just"/>
             <a:r>
               <a:rPr lang="en-US" sz="1800" b="1" dirty="0" smtClean="0">
                 <a:latin typeface="Times New Roman" pitchFamily="18" charset="0"/>
@@ -6145,6 +6102,7 @@
             </a:r>
           </a:p>
           <a:p>
+            <a:pPr algn="just"/>
             <a:r>
               <a:rPr lang="en-US" sz="1800" b="1" dirty="0" smtClean="0">
                 <a:latin typeface="Times New Roman" pitchFamily="18" charset="0"/>
@@ -6171,26 +6129,15 @@
                 <a:latin typeface="Times New Roman" pitchFamily="18" charset="0"/>
                 <a:cs typeface="Times New Roman" pitchFamily="18" charset="0"/>
               </a:rPr>
-              <a:t> </a:t>
-            </a:r>
-            <a:r>
-              <a:rPr lang="en-US" sz="1800" dirty="0" smtClean="0">
-                <a:latin typeface="Times New Roman" pitchFamily="18" charset="0"/>
-                <a:cs typeface="Times New Roman" pitchFamily="18" charset="0"/>
-              </a:rPr>
-              <a:t>Pages</a:t>
-            </a:r>
-            <a:endParaRPr lang="en-US" sz="1800" dirty="0" smtClean="0">
-              <a:latin typeface="Times New Roman" pitchFamily="18" charset="0"/>
-              <a:cs typeface="Times New Roman" pitchFamily="18" charset="0"/>
-            </a:endParaRPr>
+              <a:t> Pages</a:t>
+            </a:r>
           </a:p>
         </p:txBody>
       </p:sp>
     </p:spTree>
     <p:extLst>
       <p:ext uri="{BB962C8B-B14F-4D97-AF65-F5344CB8AC3E}">
-        <p14:creationId xmlns:p14="http://schemas.microsoft.com/office/powerpoint/2010/main" xmlns="" val="4154508776"/>
+        <p14:creationId xmlns="" xmlns:p14="http://schemas.microsoft.com/office/powerpoint/2010/main" val="4154508776"/>
       </p:ext>
     </p:extLst>
   </p:cSld>
@@ -6222,7 +6169,7 @@
           <p:cNvPr id="5" name="Title 4">
             <a:extLst>
               <a:ext uri="{FF2B5EF4-FFF2-40B4-BE49-F238E27FC236}">
-                <a16:creationId xmlns:a16="http://schemas.microsoft.com/office/drawing/2014/main" xmlns="" id="{8FBA75B4-2DD5-42EB-9397-F36BFB8BA723}"/>
+                <a16:creationId xmlns="" xmlns:a16="http://schemas.microsoft.com/office/drawing/2014/main" id="{8FBA75B4-2DD5-42EB-9397-F36BFB8BA723}"/>
               </a:ext>
             </a:extLst>
           </p:cNvPr>
@@ -6284,7 +6231,7 @@
     </p:spTree>
     <p:extLst>
       <p:ext uri="{BB962C8B-B14F-4D97-AF65-F5344CB8AC3E}">
-        <p14:creationId xmlns:p14="http://schemas.microsoft.com/office/powerpoint/2010/main" xmlns="" val="1483293388"/>
+        <p14:creationId xmlns="" xmlns:p14="http://schemas.microsoft.com/office/powerpoint/2010/main" val="1483293388"/>
       </p:ext>
     </p:extLst>
   </p:cSld>
@@ -6463,7 +6410,12 @@
             <p:ph type="title"/>
           </p:nvPr>
         </p:nvSpPr>
-        <p:spPr/>
+        <p:spPr>
+          <a:xfrm>
+            <a:off x="693159" y="1140695"/>
+            <a:ext cx="11029616" cy="530296"/>
+          </a:xfrm>
+        </p:spPr>
         <p:txBody>
           <a:bodyPr/>
           <a:lstStyle/>
@@ -6487,12 +6439,34 @@
             <p:ph idx="1"/>
           </p:nvPr>
         </p:nvSpPr>
-        <p:spPr/>
+        <p:spPr>
+          <a:xfrm>
+            <a:off x="581192" y="1931437"/>
+            <a:ext cx="11029615" cy="1399592"/>
+          </a:xfrm>
+        </p:spPr>
         <p:txBody>
           <a:bodyPr/>
           <a:lstStyle/>
           <a:p>
-            <a:endParaRPr lang="en-US"/>
+            <a:pPr algn="just"/>
+            <a:r>
+              <a:rPr lang="en-US" dirty="0" smtClean="0">
+                <a:hlinkClick r:id="rId2"/>
+              </a:rPr>
+              <a:t>https://</a:t>
+            </a:r>
+            <a:r>
+              <a:rPr lang="en-US" dirty="0" smtClean="0">
+                <a:hlinkClick r:id="rId2"/>
+              </a:rPr>
+              <a:t>github.com/kumarakash15/weather-dashboard</a:t>
+            </a:r>
+            <a:r>
+              <a:rPr lang="en-US" dirty="0" smtClean="0"/>
+              <a:t> </a:t>
+            </a:r>
+            <a:endParaRPr lang="en-US" dirty="0"/>
           </a:p>
         </p:txBody>
       </p:sp>
@@ -6767,7 +6741,7 @@
   <a:extraClrSchemeLst/>
   <a:extLst>
     <a:ext uri="{05A4C25C-085E-4340-85A3-A5531E510DB2}">
-      <thm15:themeFamily xmlns:thm15="http://schemas.microsoft.com/office/thememl/2012/main" xmlns="" name="DividendVTI" id="{97558BDE-0B66-457C-BB6F-7B1B22DAA9B8}" vid="{F53508A3-AC60-448A-AF37-934D5F1A0D5E}"/>
+      <thm15:themeFamily xmlns="" xmlns:thm15="http://schemas.microsoft.com/office/thememl/2012/main" name="DividendVTI" id="{97558BDE-0B66-457C-BB6F-7B1B22DAA9B8}" vid="{F53508A3-AC60-448A-AF37-934D5F1A0D5E}"/>
     </a:ext>
   </a:extLst>
 </a:theme>
@@ -7062,31 +7036,13 @@
   <a:extraClrSchemeLst/>
   <a:extLst>
     <a:ext uri="{05A4C25C-085E-4340-85A3-A5531E510DB2}">
-      <thm15:themeFamily xmlns:thm15="http://schemas.microsoft.com/office/thememl/2012/main" xmlns="" name="Office Theme" id="{62F939B6-93AF-4DB8-9C6B-D6C7DFDC589F}" vid="{4A3C46E8-61CC-4603-A589-7422A47A8E4A}"/>
+      <thm15:themeFamily xmlns="" xmlns:thm15="http://schemas.microsoft.com/office/thememl/2012/main" name="Office Theme" id="{62F939B6-93AF-4DB8-9C6B-D6C7DFDC589F}" vid="{4A3C46E8-61CC-4603-A589-7422A47A8E4A}"/>
     </a:ext>
   </a:extLst>
 </a:theme>
 </file>
 
 <file path=customXml/item1.xml><?xml version="1.0" encoding="utf-8"?>
-<?mso-contentType ?>
-<FormTemplates xmlns="http://schemas.microsoft.com/sharepoint/v3/contenttype/forms">
-  <Display>DocumentLibraryForm</Display>
-  <Edit>DocumentLibraryForm</Edit>
-  <New>DocumentLibraryForm</New>
-</FormTemplates>
-</file>
-
-<file path=customXml/item2.xml><?xml version="1.0" encoding="utf-8"?>
-<p:properties xmlns:p="http://schemas.microsoft.com/office/2006/metadata/properties" xmlns:xsi="http://www.w3.org/2001/XMLSchema-instance" xmlns:pc="http://schemas.microsoft.com/office/infopath/2007/PartnerControls">
-  <documentManagement>
-    <MediaServiceKeyPoints xmlns="9162bd5b-4ed9-4da3-b376-05204580ba3f" xsi:nil="true"/>
-    <_activity xmlns="9162bd5b-4ed9-4da3-b376-05204580ba3f" xsi:nil="true"/>
-  </documentManagement>
-</p:properties>
-</file>
-
-<file path=customXml/item3.xml><?xml version="1.0" encoding="utf-8"?>
 <ct:contentTypeSchema xmlns:ct="http://schemas.microsoft.com/office/2006/metadata/contentType" xmlns:ma="http://schemas.microsoft.com/office/2006/metadata/properties/metaAttributes" ct:_="" ma:_="" ma:contentTypeName="Document" ma:contentTypeID="0x0101000F1872188ABCFC48BECA6C87E8AC3285" ma:contentTypeVersion="17" ma:contentTypeDescription="Create a new document." ma:contentTypeScope="" ma:versionID="55a158675e089c6a85ab0f83b89e1a15">
   <xsd:schema xmlns:xsd="http://www.w3.org/2001/XMLSchema" xmlns:xs="http://www.w3.org/2001/XMLSchema" xmlns:p="http://schemas.microsoft.com/office/2006/metadata/properties" xmlns:ns3="9162bd5b-4ed9-4da3-b376-05204580ba3f" xmlns:ns4="c0fa2617-96bd-425d-8578-e93563fe37c5" targetNamespace="http://schemas.microsoft.com/office/2006/metadata/properties" ma:root="true" ma:fieldsID="b35f082308864fa161c4a0a9eca35eff" ns3:_="" ns4:_="">
     <xsd:import namespace="9162bd5b-4ed9-4da3-b376-05204580ba3f"/>
@@ -7333,10 +7289,39 @@
 </ct:contentTypeSchema>
 </file>
 
+<file path=customXml/item2.xml><?xml version="1.0" encoding="utf-8"?>
+<p:properties xmlns:p="http://schemas.microsoft.com/office/2006/metadata/properties" xmlns:xsi="http://www.w3.org/2001/XMLSchema-instance" xmlns:pc="http://schemas.microsoft.com/office/infopath/2007/PartnerControls">
+  <documentManagement>
+    <MediaServiceKeyPoints xmlns="9162bd5b-4ed9-4da3-b376-05204580ba3f" xsi:nil="true"/>
+    <_activity xmlns="9162bd5b-4ed9-4da3-b376-05204580ba3f" xsi:nil="true"/>
+  </documentManagement>
+</p:properties>
+</file>
+
+<file path=customXml/item3.xml><?xml version="1.0" encoding="utf-8"?>
+<?mso-contentType ?>
+<FormTemplates xmlns="http://schemas.microsoft.com/sharepoint/v3/contenttype/forms">
+  <Display>DocumentLibraryForm</Display>
+  <Edit>DocumentLibraryForm</Edit>
+  <New>DocumentLibraryForm</New>
+</FormTemplates>
+</file>
+
 <file path=customXml/itemProps1.xml><?xml version="1.0" encoding="utf-8"?>
-<ds:datastoreItem xmlns:ds="http://schemas.openxmlformats.org/officeDocument/2006/customXml" ds:itemID="{927BD4C1-B6B1-4715-ABF9-E660A51A4EA0}">
+<ds:datastoreItem xmlns:ds="http://schemas.openxmlformats.org/officeDocument/2006/customXml" ds:itemID="{6E816721-11E4-4989-8472-AB5A7EC20404}">
   <ds:schemaRefs>
-    <ds:schemaRef ds:uri="http://schemas.microsoft.com/sharepoint/v3/contenttype/forms"/>
+    <ds:schemaRef ds:uri="9162bd5b-4ed9-4da3-b376-05204580ba3f"/>
+    <ds:schemaRef ds:uri="c0fa2617-96bd-425d-8578-e93563fe37c5"/>
+    <ds:schemaRef ds:uri="http://purl.org/dc/elements/1.1/"/>
+    <ds:schemaRef ds:uri="http://purl.org/dc/terms/"/>
+    <ds:schemaRef ds:uri="http://schemas.microsoft.com/internal/obd"/>
+    <ds:schemaRef ds:uri="http://schemas.microsoft.com/office/2006/documentManagement/types"/>
+    <ds:schemaRef ds:uri="http://schemas.microsoft.com/office/2006/metadata/contentType"/>
+    <ds:schemaRef ds:uri="http://schemas.microsoft.com/office/2006/metadata/properties"/>
+    <ds:schemaRef ds:uri="http://schemas.microsoft.com/office/2006/metadata/properties/metaAttributes"/>
+    <ds:schemaRef ds:uri="http://schemas.microsoft.com/office/infopath/2007/PartnerControls"/>
+    <ds:schemaRef ds:uri="http://schemas.openxmlformats.org/package/2006/metadata/core-properties"/>
+    <ds:schemaRef ds:uri="http://www.w3.org/2001/XMLSchema"/>
   </ds:schemaRefs>
 </ds:datastoreItem>
 </file>
@@ -7359,20 +7344,9 @@
 </file>
 
 <file path=customXml/itemProps3.xml><?xml version="1.0" encoding="utf-8"?>
-<ds:datastoreItem xmlns:ds="http://schemas.openxmlformats.org/officeDocument/2006/customXml" ds:itemID="{6E816721-11E4-4989-8472-AB5A7EC20404}">
+<ds:datastoreItem xmlns:ds="http://schemas.openxmlformats.org/officeDocument/2006/customXml" ds:itemID="{927BD4C1-B6B1-4715-ABF9-E660A51A4EA0}">
   <ds:schemaRefs>
-    <ds:schemaRef ds:uri="9162bd5b-4ed9-4da3-b376-05204580ba3f"/>
-    <ds:schemaRef ds:uri="c0fa2617-96bd-425d-8578-e93563fe37c5"/>
-    <ds:schemaRef ds:uri="http://purl.org/dc/elements/1.1/"/>
-    <ds:schemaRef ds:uri="http://purl.org/dc/terms/"/>
-    <ds:schemaRef ds:uri="http://schemas.microsoft.com/internal/obd"/>
-    <ds:schemaRef ds:uri="http://schemas.microsoft.com/office/2006/documentManagement/types"/>
-    <ds:schemaRef ds:uri="http://schemas.microsoft.com/office/2006/metadata/contentType"/>
-    <ds:schemaRef ds:uri="http://schemas.microsoft.com/office/2006/metadata/properties"/>
-    <ds:schemaRef ds:uri="http://schemas.microsoft.com/office/2006/metadata/properties/metaAttributes"/>
-    <ds:schemaRef ds:uri="http://schemas.microsoft.com/office/infopath/2007/PartnerControls"/>
-    <ds:schemaRef ds:uri="http://schemas.openxmlformats.org/package/2006/metadata/core-properties"/>
-    <ds:schemaRef ds:uri="http://www.w3.org/2001/XMLSchema"/>
+    <ds:schemaRef ds:uri="http://schemas.microsoft.com/sharepoint/v3/contenttype/forms"/>
   </ds:schemaRefs>
 </ds:datastoreItem>
 </file>
--- a/weather dashboard ppt.pptx
+++ b/weather dashboard ppt.pptx
@@ -121,7 +121,7 @@
   </p:defaultTextStyle>
   <p:extLst>
     <p:ext uri="{EFAFB233-063F-42B5-8137-9DF3F51BA10A}">
-      <p15:sldGuideLst xmlns="" xmlns:p15="http://schemas.microsoft.com/office/powerpoint/2012/main">
+      <p15:sldGuideLst xmlns:p15="http://schemas.microsoft.com/office/powerpoint/2012/main" xmlns="">
         <p15:guide id="1" orient="horz" pos="2160">
           <p15:clr>
             <a:srgbClr val="A4A3A4"/>
@@ -398,7 +398,7 @@
     </p:spTree>
     <p:extLst>
       <p:ext uri="{BB962C8B-B14F-4D97-AF65-F5344CB8AC3E}">
-        <p14:creationId xmlns="" xmlns:p14="http://schemas.microsoft.com/office/powerpoint/2010/main" val="538008421"/>
+        <p14:creationId xmlns:p14="http://schemas.microsoft.com/office/powerpoint/2010/main" xmlns="" val="538008421"/>
       </p:ext>
     </p:extLst>
   </p:cSld>
@@ -716,7 +716,7 @@
           <p:cNvPr id="8" name="Date Placeholder 7">
             <a:extLst>
               <a:ext uri="{FF2B5EF4-FFF2-40B4-BE49-F238E27FC236}">
-                <a16:creationId xmlns="" xmlns:a16="http://schemas.microsoft.com/office/drawing/2014/main" id="{7FA0ACE7-29A8-47D3-A7D9-257B711D8023}"/>
+                <a16:creationId xmlns:a16="http://schemas.microsoft.com/office/drawing/2014/main" xmlns="" id="{7FA0ACE7-29A8-47D3-A7D9-257B711D8023}"/>
               </a:ext>
             </a:extLst>
           </p:cNvPr>
@@ -746,7 +746,7 @@
           <p:cNvPr id="9" name="Footer Placeholder 8">
             <a:extLst>
               <a:ext uri="{FF2B5EF4-FFF2-40B4-BE49-F238E27FC236}">
-                <a16:creationId xmlns="" xmlns:a16="http://schemas.microsoft.com/office/drawing/2014/main" id="{DEC604B9-52E9-4810-8359-47206518D038}"/>
+                <a16:creationId xmlns:a16="http://schemas.microsoft.com/office/drawing/2014/main" xmlns="" id="{DEC604B9-52E9-4810-8359-47206518D038}"/>
               </a:ext>
             </a:extLst>
           </p:cNvPr>
@@ -779,7 +779,7 @@
           <p:cNvPr id="10" name="Slide Number Placeholder 9">
             <a:extLst>
               <a:ext uri="{FF2B5EF4-FFF2-40B4-BE49-F238E27FC236}">
-                <a16:creationId xmlns="" xmlns:a16="http://schemas.microsoft.com/office/drawing/2014/main" id="{5898A89F-CA25-400F-B05A-AECBF2517E4F}"/>
+                <a16:creationId xmlns:a16="http://schemas.microsoft.com/office/drawing/2014/main" xmlns="" id="{5898A89F-CA25-400F-B05A-AECBF2517E4F}"/>
               </a:ext>
             </a:extLst>
           </p:cNvPr>
@@ -807,7 +807,7 @@
     </p:spTree>
     <p:extLst>
       <p:ext uri="{BB962C8B-B14F-4D97-AF65-F5344CB8AC3E}">
-        <p14:creationId xmlns="" xmlns:p14="http://schemas.microsoft.com/office/powerpoint/2010/main" val="490017585"/>
+        <p14:creationId xmlns:p14="http://schemas.microsoft.com/office/powerpoint/2010/main" xmlns="" val="490017585"/>
       </p:ext>
     </p:extLst>
   </p:cSld>
@@ -1006,7 +1006,7 @@
     </p:spTree>
     <p:extLst>
       <p:ext uri="{BB962C8B-B14F-4D97-AF65-F5344CB8AC3E}">
-        <p14:creationId xmlns="" xmlns:p14="http://schemas.microsoft.com/office/powerpoint/2010/main" val="1283591147"/>
+        <p14:creationId xmlns:p14="http://schemas.microsoft.com/office/powerpoint/2010/main" xmlns="" val="1283591147"/>
       </p:ext>
     </p:extLst>
   </p:cSld>
@@ -1168,7 +1168,7 @@
           <p:cNvPr id="8" name="Rectangle 7">
             <a:extLst>
               <a:ext uri="{FF2B5EF4-FFF2-40B4-BE49-F238E27FC236}">
-                <a16:creationId xmlns="" xmlns:a16="http://schemas.microsoft.com/office/drawing/2014/main" id="{F6423B97-A5D4-47B9-8861-73B3707A04CF}"/>
+                <a16:creationId xmlns:a16="http://schemas.microsoft.com/office/drawing/2014/main" xmlns="" id="{F6423B97-A5D4-47B9-8861-73B3707A04CF}"/>
               </a:ext>
             </a:extLst>
           </p:cNvPr>
@@ -1211,7 +1211,7 @@
           <p:cNvPr id="9" name="Rectangle 8">
             <a:extLst>
               <a:ext uri="{FF2B5EF4-FFF2-40B4-BE49-F238E27FC236}">
-                <a16:creationId xmlns="" xmlns:a16="http://schemas.microsoft.com/office/drawing/2014/main" id="{1AEC0421-37B4-4481-A10D-69FDF5EC7909}"/>
+                <a16:creationId xmlns:a16="http://schemas.microsoft.com/office/drawing/2014/main" xmlns="" id="{1AEC0421-37B4-4481-A10D-69FDF5EC7909}"/>
               </a:ext>
             </a:extLst>
           </p:cNvPr>
@@ -1254,7 +1254,7 @@
           <p:cNvPr id="10" name="Rectangle 9">
             <a:extLst>
               <a:ext uri="{FF2B5EF4-FFF2-40B4-BE49-F238E27FC236}">
-                <a16:creationId xmlns="" xmlns:a16="http://schemas.microsoft.com/office/drawing/2014/main" id="{5F7265B5-9F97-4F1E-99E9-74F7B7E62337}"/>
+                <a16:creationId xmlns:a16="http://schemas.microsoft.com/office/drawing/2014/main" xmlns="" id="{5F7265B5-9F97-4F1E-99E9-74F7B7E62337}"/>
               </a:ext>
             </a:extLst>
           </p:cNvPr>
@@ -1297,7 +1297,7 @@
           <p:cNvPr id="11" name="Date Placeholder 10">
             <a:extLst>
               <a:ext uri="{FF2B5EF4-FFF2-40B4-BE49-F238E27FC236}">
-                <a16:creationId xmlns="" xmlns:a16="http://schemas.microsoft.com/office/drawing/2014/main" id="{5C74A470-3BD3-4F33-80E5-67E6E87FCBE7}"/>
+                <a16:creationId xmlns:a16="http://schemas.microsoft.com/office/drawing/2014/main" xmlns="" id="{5C74A470-3BD3-4F33-80E5-67E6E87FCBE7}"/>
               </a:ext>
             </a:extLst>
           </p:cNvPr>
@@ -1327,7 +1327,7 @@
           <p:cNvPr id="12" name="Footer Placeholder 11">
             <a:extLst>
               <a:ext uri="{FF2B5EF4-FFF2-40B4-BE49-F238E27FC236}">
-                <a16:creationId xmlns="" xmlns:a16="http://schemas.microsoft.com/office/drawing/2014/main" id="{9A3A30BA-DB50-4D7D-BCDE-17D20FB354DF}"/>
+                <a16:creationId xmlns:a16="http://schemas.microsoft.com/office/drawing/2014/main" xmlns="" id="{9A3A30BA-DB50-4D7D-BCDE-17D20FB354DF}"/>
               </a:ext>
             </a:extLst>
           </p:cNvPr>
@@ -1360,7 +1360,7 @@
           <p:cNvPr id="13" name="Slide Number Placeholder 12">
             <a:extLst>
               <a:ext uri="{FF2B5EF4-FFF2-40B4-BE49-F238E27FC236}">
-                <a16:creationId xmlns="" xmlns:a16="http://schemas.microsoft.com/office/drawing/2014/main" id="{76FF9E58-C0B2-436B-A21C-DB45A00D6515}"/>
+                <a16:creationId xmlns:a16="http://schemas.microsoft.com/office/drawing/2014/main" xmlns="" id="{76FF9E58-C0B2-436B-A21C-DB45A00D6515}"/>
               </a:ext>
             </a:extLst>
           </p:cNvPr>
@@ -1388,7 +1388,7 @@
     </p:spTree>
     <p:extLst>
       <p:ext uri="{BB962C8B-B14F-4D97-AF65-F5344CB8AC3E}">
-        <p14:creationId xmlns="" xmlns:p14="http://schemas.microsoft.com/office/powerpoint/2010/main" val="3388849626"/>
+        <p14:creationId xmlns:p14="http://schemas.microsoft.com/office/powerpoint/2010/main" xmlns="" val="3388849626"/>
       </p:ext>
     </p:extLst>
   </p:cSld>
@@ -1503,7 +1503,7 @@
           <p:cNvPr id="8" name="Date Placeholder 7">
             <a:extLst>
               <a:ext uri="{FF2B5EF4-FFF2-40B4-BE49-F238E27FC236}">
-                <a16:creationId xmlns="" xmlns:a16="http://schemas.microsoft.com/office/drawing/2014/main" id="{770E6237-3456-439F-802D-3BA93FC7E3E5}"/>
+                <a16:creationId xmlns:a16="http://schemas.microsoft.com/office/drawing/2014/main" xmlns="" id="{770E6237-3456-439F-802D-3BA93FC7E3E5}"/>
               </a:ext>
             </a:extLst>
           </p:cNvPr>
@@ -1531,7 +1531,7 @@
     </p:spTree>
     <p:extLst>
       <p:ext uri="{BB962C8B-B14F-4D97-AF65-F5344CB8AC3E}">
-        <p14:creationId xmlns="" xmlns:p14="http://schemas.microsoft.com/office/powerpoint/2010/main" val="852443411"/>
+        <p14:creationId xmlns:p14="http://schemas.microsoft.com/office/powerpoint/2010/main" xmlns="" val="852443411"/>
       </p:ext>
     </p:extLst>
   </p:cSld>
@@ -1761,7 +1761,7 @@
           <p:cNvPr id="7" name="Date Placeholder 6">
             <a:extLst>
               <a:ext uri="{FF2B5EF4-FFF2-40B4-BE49-F238E27FC236}">
-                <a16:creationId xmlns="" xmlns:a16="http://schemas.microsoft.com/office/drawing/2014/main" id="{61582016-5696-4A93-887F-BBB3B9002FE5}"/>
+                <a16:creationId xmlns:a16="http://schemas.microsoft.com/office/drawing/2014/main" xmlns="" id="{61582016-5696-4A93-887F-BBB3B9002FE5}"/>
               </a:ext>
             </a:extLst>
           </p:cNvPr>
@@ -1791,7 +1791,7 @@
           <p:cNvPr id="9" name="Footer Placeholder 8">
             <a:extLst>
               <a:ext uri="{FF2B5EF4-FFF2-40B4-BE49-F238E27FC236}">
-                <a16:creationId xmlns="" xmlns:a16="http://schemas.microsoft.com/office/drawing/2014/main" id="{857CFCD5-1192-4E18-8A8F-29E153B44DA4}"/>
+                <a16:creationId xmlns:a16="http://schemas.microsoft.com/office/drawing/2014/main" xmlns="" id="{857CFCD5-1192-4E18-8A8F-29E153B44DA4}"/>
               </a:ext>
             </a:extLst>
           </p:cNvPr>
@@ -1824,7 +1824,7 @@
           <p:cNvPr id="10" name="Slide Number Placeholder 9">
             <a:extLst>
               <a:ext uri="{FF2B5EF4-FFF2-40B4-BE49-F238E27FC236}">
-                <a16:creationId xmlns="" xmlns:a16="http://schemas.microsoft.com/office/drawing/2014/main" id="{E39A109E-5018-4794-92B3-FD5E5BCD95E8}"/>
+                <a16:creationId xmlns:a16="http://schemas.microsoft.com/office/drawing/2014/main" xmlns="" id="{E39A109E-5018-4794-92B3-FD5E5BCD95E8}"/>
               </a:ext>
             </a:extLst>
           </p:cNvPr>
@@ -1852,7 +1852,7 @@
     </p:spTree>
     <p:extLst>
       <p:ext uri="{BB962C8B-B14F-4D97-AF65-F5344CB8AC3E}">
-        <p14:creationId xmlns="" xmlns:p14="http://schemas.microsoft.com/office/powerpoint/2010/main" val="366680978"/>
+        <p14:creationId xmlns:p14="http://schemas.microsoft.com/office/powerpoint/2010/main" xmlns="" val="366680978"/>
       </p:ext>
     </p:extLst>
   </p:cSld>
@@ -2100,7 +2100,7 @@
     </p:spTree>
     <p:extLst>
       <p:ext uri="{BB962C8B-B14F-4D97-AF65-F5344CB8AC3E}">
-        <p14:creationId xmlns="" xmlns:p14="http://schemas.microsoft.com/office/powerpoint/2010/main" val="2483323219"/>
+        <p14:creationId xmlns:p14="http://schemas.microsoft.com/office/powerpoint/2010/main" xmlns="" val="2483323219"/>
       </p:ext>
     </p:extLst>
   </p:cSld>
@@ -2529,7 +2529,7 @@
     </p:spTree>
     <p:extLst>
       <p:ext uri="{BB962C8B-B14F-4D97-AF65-F5344CB8AC3E}">
-        <p14:creationId xmlns="" xmlns:p14="http://schemas.microsoft.com/office/powerpoint/2010/main" val="1748046589"/>
+        <p14:creationId xmlns:p14="http://schemas.microsoft.com/office/powerpoint/2010/main" xmlns="" val="1748046589"/>
       </p:ext>
     </p:extLst>
   </p:cSld>
@@ -2661,7 +2661,7 @@
     </p:spTree>
     <p:extLst>
       <p:ext uri="{BB962C8B-B14F-4D97-AF65-F5344CB8AC3E}">
-        <p14:creationId xmlns="" xmlns:p14="http://schemas.microsoft.com/office/powerpoint/2010/main" val="112936382"/>
+        <p14:creationId xmlns:p14="http://schemas.microsoft.com/office/powerpoint/2010/main" xmlns="" val="112936382"/>
       </p:ext>
     </p:extLst>
   </p:cSld>
@@ -2766,7 +2766,7 @@
     </p:spTree>
     <p:extLst>
       <p:ext uri="{BB962C8B-B14F-4D97-AF65-F5344CB8AC3E}">
-        <p14:creationId xmlns="" xmlns:p14="http://schemas.microsoft.com/office/powerpoint/2010/main" val="1129494974"/>
+        <p14:creationId xmlns:p14="http://schemas.microsoft.com/office/powerpoint/2010/main" xmlns="" val="1129494974"/>
       </p:ext>
     </p:extLst>
   </p:cSld>
@@ -3067,7 +3067,7 @@
           <p:cNvPr id="8" name="Date Placeholder 7">
             <a:extLst>
               <a:ext uri="{FF2B5EF4-FFF2-40B4-BE49-F238E27FC236}">
-                <a16:creationId xmlns="" xmlns:a16="http://schemas.microsoft.com/office/drawing/2014/main" id="{0B919CC2-2A65-446F-B538-9E6249035445}"/>
+                <a16:creationId xmlns:a16="http://schemas.microsoft.com/office/drawing/2014/main" xmlns="" id="{0B919CC2-2A65-446F-B538-9E6249035445}"/>
               </a:ext>
             </a:extLst>
           </p:cNvPr>
@@ -3102,7 +3102,7 @@
           <p:cNvPr id="10" name="Footer Placeholder 9">
             <a:extLst>
               <a:ext uri="{FF2B5EF4-FFF2-40B4-BE49-F238E27FC236}">
-                <a16:creationId xmlns="" xmlns:a16="http://schemas.microsoft.com/office/drawing/2014/main" id="{B72412AE-119E-4982-8B24-63365EFCA796}"/>
+                <a16:creationId xmlns:a16="http://schemas.microsoft.com/office/drawing/2014/main" xmlns="" id="{B72412AE-119E-4982-8B24-63365EFCA796}"/>
               </a:ext>
             </a:extLst>
           </p:cNvPr>
@@ -3135,7 +3135,7 @@
           <p:cNvPr id="11" name="Slide Number Placeholder 10">
             <a:extLst>
               <a:ext uri="{FF2B5EF4-FFF2-40B4-BE49-F238E27FC236}">
-                <a16:creationId xmlns="" xmlns:a16="http://schemas.microsoft.com/office/drawing/2014/main" id="{7FC4BB19-6AD1-45CF-9F99-00B109890FAB}"/>
+                <a16:creationId xmlns:a16="http://schemas.microsoft.com/office/drawing/2014/main" xmlns="" id="{7FC4BB19-6AD1-45CF-9F99-00B109890FAB}"/>
               </a:ext>
             </a:extLst>
           </p:cNvPr>
@@ -3168,7 +3168,7 @@
     </p:spTree>
     <p:extLst>
       <p:ext uri="{BB962C8B-B14F-4D97-AF65-F5344CB8AC3E}">
-        <p14:creationId xmlns="" xmlns:p14="http://schemas.microsoft.com/office/powerpoint/2010/main" val="1261766693"/>
+        <p14:creationId xmlns:p14="http://schemas.microsoft.com/office/powerpoint/2010/main" xmlns="" val="1261766693"/>
       </p:ext>
     </p:extLst>
   </p:cSld>
@@ -3447,7 +3447,7 @@
     </p:spTree>
     <p:extLst>
       <p:ext uri="{BB962C8B-B14F-4D97-AF65-F5344CB8AC3E}">
-        <p14:creationId xmlns="" xmlns:p14="http://schemas.microsoft.com/office/powerpoint/2010/main" val="3573289553"/>
+        <p14:creationId xmlns:p14="http://schemas.microsoft.com/office/powerpoint/2010/main" xmlns="" val="3573289553"/>
       </p:ext>
     </p:extLst>
   </p:cSld>
@@ -3774,7 +3774,7 @@
           <p:cNvPr id="8" name="Picture 7" descr="Logo&#10;&#10;Description automatically generated">
             <a:extLst>
               <a:ext uri="{FF2B5EF4-FFF2-40B4-BE49-F238E27FC236}">
-                <a16:creationId xmlns="" xmlns:a16="http://schemas.microsoft.com/office/drawing/2014/main" id="{14A64E4D-8DED-7830-2955-1BE78C5B0655}"/>
+                <a16:creationId xmlns:a16="http://schemas.microsoft.com/office/drawing/2014/main" xmlns="" id="{14A64E4D-8DED-7830-2955-1BE78C5B0655}"/>
               </a:ext>
             </a:extLst>
           </p:cNvPr>
@@ -3802,7 +3802,7 @@
     </p:spTree>
     <p:extLst>
       <p:ext uri="{BB962C8B-B14F-4D97-AF65-F5344CB8AC3E}">
-        <p14:creationId xmlns="" xmlns:p14="http://schemas.microsoft.com/office/powerpoint/2010/main" val="3000897896"/>
+        <p14:creationId xmlns:p14="http://schemas.microsoft.com/office/powerpoint/2010/main" xmlns="" val="3000897896"/>
       </p:ext>
     </p:extLst>
   </p:cSld>
@@ -4239,7 +4239,7 @@
           <p:cNvPr id="2" name="Title 1">
             <a:extLst>
               <a:ext uri="{FF2B5EF4-FFF2-40B4-BE49-F238E27FC236}">
-                <a16:creationId xmlns="" xmlns:a16="http://schemas.microsoft.com/office/drawing/2014/main" id="{A8A11E26-4C38-41A6-9857-11032CEECD80}"/>
+                <a16:creationId xmlns:a16="http://schemas.microsoft.com/office/drawing/2014/main" xmlns="" id="{A8A11E26-4C38-41A6-9857-11032CEECD80}"/>
               </a:ext>
             </a:extLst>
           </p:cNvPr>
@@ -4416,7 +4416,7 @@
     </p:spTree>
     <p:extLst>
       <p:ext uri="{BB962C8B-B14F-4D97-AF65-F5344CB8AC3E}">
-        <p14:creationId xmlns="" xmlns:p14="http://schemas.microsoft.com/office/powerpoint/2010/main" val="953325580"/>
+        <p14:creationId xmlns:p14="http://schemas.microsoft.com/office/powerpoint/2010/main" xmlns="" val="953325580"/>
       </p:ext>
     </p:extLst>
   </p:cSld>
@@ -4448,7 +4448,7 @@
           <p:cNvPr id="5" name="Title 4">
             <a:extLst>
               <a:ext uri="{FF2B5EF4-FFF2-40B4-BE49-F238E27FC236}">
-                <a16:creationId xmlns="" xmlns:a16="http://schemas.microsoft.com/office/drawing/2014/main" id="{8FBA75B4-2DD5-42EB-9397-F36BFB8BA723}"/>
+                <a16:creationId xmlns:a16="http://schemas.microsoft.com/office/drawing/2014/main" xmlns="" id="{8FBA75B4-2DD5-42EB-9397-F36BFB8BA723}"/>
               </a:ext>
             </a:extLst>
           </p:cNvPr>
@@ -4495,7 +4495,7 @@
           <p:cNvPr id="4" name="Rectangle 2">
             <a:extLst>
               <a:ext uri="{FF2B5EF4-FFF2-40B4-BE49-F238E27FC236}">
-                <a16:creationId xmlns="" xmlns:a16="http://schemas.microsoft.com/office/drawing/2014/main" id="{AE90F0D3-BDEA-0292-92F3-78C774C3D8CE}"/>
+                <a16:creationId xmlns:a16="http://schemas.microsoft.com/office/drawing/2014/main" xmlns="" id="{AE90F0D3-BDEA-0292-92F3-78C774C3D8CE}"/>
               </a:ext>
             </a:extLst>
           </p:cNvPr>
@@ -4521,14 +4521,14 @@
           <a:effectLst/>
           <a:extLst>
             <a:ext uri="{909E8E84-426E-40DD-AFC4-6F175D3DCCD1}">
-              <a14:hiddenFill xmlns="" xmlns:a14="http://schemas.microsoft.com/office/drawing/2010/main">
+              <a14:hiddenFill xmlns:a14="http://schemas.microsoft.com/office/drawing/2010/main" xmlns="">
                 <a:solidFill>
                   <a:schemeClr val="accent1"/>
                 </a:solidFill>
               </a14:hiddenFill>
             </a:ext>
             <a:ext uri="{91240B29-F687-4F45-9708-019B960494DF}">
-              <a14:hiddenLine xmlns="" xmlns:a14="http://schemas.microsoft.com/office/drawing/2010/main" w="9525">
+              <a14:hiddenLine xmlns:a14="http://schemas.microsoft.com/office/drawing/2010/main" xmlns="" w="9525">
                 <a:solidFill>
                   <a:schemeClr val="tx1"/>
                 </a:solidFill>
@@ -4538,7 +4538,7 @@
               </a14:hiddenLine>
             </a:ext>
             <a:ext uri="{AF507438-7753-43E0-B8FC-AC1667EBCBE1}">
-              <a14:hiddenEffects xmlns="" xmlns:a14="http://schemas.microsoft.com/office/drawing/2010/main">
+              <a14:hiddenEffects xmlns:a14="http://schemas.microsoft.com/office/drawing/2010/main" xmlns="">
                 <a:effectLst>
                   <a:outerShdw dist="35921" dir="2700000" algn="ctr" rotWithShape="0">
                     <a:schemeClr val="bg2"/>
@@ -4591,7 +4591,7 @@
     </p:spTree>
     <p:extLst>
       <p:ext uri="{BB962C8B-B14F-4D97-AF65-F5344CB8AC3E}">
-        <p14:creationId xmlns="" xmlns:p14="http://schemas.microsoft.com/office/powerpoint/2010/main" val="3183315129"/>
+        <p14:creationId xmlns:p14="http://schemas.microsoft.com/office/powerpoint/2010/main" xmlns="" val="3183315129"/>
       </p:ext>
     </p:extLst>
   </p:cSld>
@@ -4623,7 +4623,7 @@
           <p:cNvPr id="5" name="Title 4">
             <a:extLst>
               <a:ext uri="{FF2B5EF4-FFF2-40B4-BE49-F238E27FC236}">
-                <a16:creationId xmlns="" xmlns:a16="http://schemas.microsoft.com/office/drawing/2014/main" id="{3F968F13-9AC4-7120-7ACD-9F752C767D5D}"/>
+                <a16:creationId xmlns:a16="http://schemas.microsoft.com/office/drawing/2014/main" xmlns="" id="{3F968F13-9AC4-7120-7ACD-9F752C767D5D}"/>
               </a:ext>
             </a:extLst>
           </p:cNvPr>
@@ -4743,7 +4743,7 @@
           <p:cNvPr id="2" name="Content Placeholder 1">
             <a:extLst>
               <a:ext uri="{FF2B5EF4-FFF2-40B4-BE49-F238E27FC236}">
-                <a16:creationId xmlns="" xmlns:a16="http://schemas.microsoft.com/office/drawing/2014/main" id="{9D34F224-4AA0-CB45-7156-5485779AB06F}"/>
+                <a16:creationId xmlns:a16="http://schemas.microsoft.com/office/drawing/2014/main" xmlns="" id="{9D34F224-4AA0-CB45-7156-5485779AB06F}"/>
               </a:ext>
             </a:extLst>
           </p:cNvPr>
@@ -4769,14 +4769,14 @@
           <a:effectLst/>
           <a:extLst>
             <a:ext uri="{909E8E84-426E-40DD-AFC4-6F175D3DCCD1}">
-              <a14:hiddenFill xmlns="" xmlns:a14="http://schemas.microsoft.com/office/drawing/2010/main">
+              <a14:hiddenFill xmlns:a14="http://schemas.microsoft.com/office/drawing/2010/main" xmlns="">
                 <a:solidFill>
                   <a:schemeClr val="accent1"/>
                 </a:solidFill>
               </a14:hiddenFill>
             </a:ext>
             <a:ext uri="{91240B29-F687-4F45-9708-019B960494DF}">
-              <a14:hiddenLine xmlns="" xmlns:a14="http://schemas.microsoft.com/office/drawing/2010/main" w="9525">
+              <a14:hiddenLine xmlns:a14="http://schemas.microsoft.com/office/drawing/2010/main" xmlns="" w="9525">
                 <a:solidFill>
                   <a:schemeClr val="tx1"/>
                 </a:solidFill>
@@ -4786,7 +4786,7 @@
               </a14:hiddenLine>
             </a:ext>
             <a:ext uri="{AF507438-7753-43E0-B8FC-AC1667EBCBE1}">
-              <a14:hiddenEffects xmlns="" xmlns:a14="http://schemas.microsoft.com/office/drawing/2010/main">
+              <a14:hiddenEffects xmlns:a14="http://schemas.microsoft.com/office/drawing/2010/main" xmlns="">
                 <a:effectLst>
                   <a:outerShdw dist="35921" dir="2700000" algn="ctr" rotWithShape="0">
                     <a:schemeClr val="bg2"/>
@@ -4908,7 +4908,7 @@
     </p:spTree>
     <p:extLst>
       <p:ext uri="{BB962C8B-B14F-4D97-AF65-F5344CB8AC3E}">
-        <p14:creationId xmlns="" xmlns:p14="http://schemas.microsoft.com/office/powerpoint/2010/main" val="614882681"/>
+        <p14:creationId xmlns:p14="http://schemas.microsoft.com/office/powerpoint/2010/main" xmlns="" val="614882681"/>
       </p:ext>
     </p:extLst>
   </p:cSld>
@@ -4940,7 +4940,7 @@
           <p:cNvPr id="5" name="Title 4">
             <a:extLst>
               <a:ext uri="{FF2B5EF4-FFF2-40B4-BE49-F238E27FC236}">
-                <a16:creationId xmlns="" xmlns:a16="http://schemas.microsoft.com/office/drawing/2014/main" id="{8FBA75B4-2DD5-42EB-9397-F36BFB8BA723}"/>
+                <a16:creationId xmlns:a16="http://schemas.microsoft.com/office/drawing/2014/main" xmlns="" id="{8FBA75B4-2DD5-42EB-9397-F36BFB8BA723}"/>
               </a:ext>
             </a:extLst>
           </p:cNvPr>
@@ -4987,7 +4987,7 @@
           <p:cNvPr id="2" name="Content Placeholder 1">
             <a:extLst>
               <a:ext uri="{FF2B5EF4-FFF2-40B4-BE49-F238E27FC236}">
-                <a16:creationId xmlns="" xmlns:a16="http://schemas.microsoft.com/office/drawing/2014/main" id="{357C38BC-22B3-37B2-E0C3-812020A76077}"/>
+                <a16:creationId xmlns:a16="http://schemas.microsoft.com/office/drawing/2014/main" xmlns="" id="{357C38BC-22B3-37B2-E0C3-812020A76077}"/>
               </a:ext>
             </a:extLst>
           </p:cNvPr>
@@ -5057,7 +5057,7 @@
     </p:spTree>
     <p:extLst>
       <p:ext uri="{BB962C8B-B14F-4D97-AF65-F5344CB8AC3E}">
-        <p14:creationId xmlns="" xmlns:p14="http://schemas.microsoft.com/office/powerpoint/2010/main" val="728950222"/>
+        <p14:creationId xmlns:p14="http://schemas.microsoft.com/office/powerpoint/2010/main" xmlns="" val="728950222"/>
       </p:ext>
     </p:extLst>
   </p:cSld>
@@ -5089,7 +5089,7 @@
           <p:cNvPr id="5" name="Title 4">
             <a:extLst>
               <a:ext uri="{FF2B5EF4-FFF2-40B4-BE49-F238E27FC236}">
-                <a16:creationId xmlns="" xmlns:a16="http://schemas.microsoft.com/office/drawing/2014/main" id="{8BE4CA82-64EC-4D4E-A5E5-3EBB66E7B24C}"/>
+                <a16:creationId xmlns:a16="http://schemas.microsoft.com/office/drawing/2014/main" xmlns="" id="{8BE4CA82-64EC-4D4E-A5E5-3EBB66E7B24C}"/>
               </a:ext>
             </a:extLst>
           </p:cNvPr>
@@ -5127,7 +5127,7 @@
     </p:spTree>
     <p:extLst>
       <p:ext uri="{BB962C8B-B14F-4D97-AF65-F5344CB8AC3E}">
-        <p14:creationId xmlns="" xmlns:p14="http://schemas.microsoft.com/office/powerpoint/2010/main" val="4066255318"/>
+        <p14:creationId xmlns:p14="http://schemas.microsoft.com/office/powerpoint/2010/main" xmlns="" val="4066255318"/>
       </p:ext>
     </p:extLst>
   </p:cSld>
@@ -5159,7 +5159,7 @@
           <p:cNvPr id="2" name="Title 1">
             <a:extLst>
               <a:ext uri="{FF2B5EF4-FFF2-40B4-BE49-F238E27FC236}">
-                <a16:creationId xmlns="" xmlns:a16="http://schemas.microsoft.com/office/drawing/2014/main" id="{49FFEB4C-F209-4AE7-AA2B-B3C26CE2C51D}"/>
+                <a16:creationId xmlns:a16="http://schemas.microsoft.com/office/drawing/2014/main" xmlns="" id="{49FFEB4C-F209-4AE7-AA2B-B3C26CE2C51D}"/>
               </a:ext>
             </a:extLst>
           </p:cNvPr>
@@ -5199,7 +5199,7 @@
           <p:cNvPr id="3" name="Content Placeholder 2">
             <a:extLst>
               <a:ext uri="{FF2B5EF4-FFF2-40B4-BE49-F238E27FC236}">
-                <a16:creationId xmlns="" xmlns:a16="http://schemas.microsoft.com/office/drawing/2014/main" id="{B2678641-EEA3-4EC4-BF39-4075B0C120E8}"/>
+                <a16:creationId xmlns:a16="http://schemas.microsoft.com/office/drawing/2014/main" xmlns="" id="{B2678641-EEA3-4EC4-BF39-4075B0C120E8}"/>
               </a:ext>
             </a:extLst>
           </p:cNvPr>
@@ -5364,7 +5364,7 @@
     </p:spTree>
     <p:extLst>
       <p:ext uri="{BB962C8B-B14F-4D97-AF65-F5344CB8AC3E}">
-        <p14:creationId xmlns="" xmlns:p14="http://schemas.microsoft.com/office/powerpoint/2010/main" val="2900153716"/>
+        <p14:creationId xmlns:p14="http://schemas.microsoft.com/office/powerpoint/2010/main" xmlns="" val="2900153716"/>
       </p:ext>
     </p:extLst>
   </p:cSld>
@@ -5396,7 +5396,7 @@
           <p:cNvPr id="5" name="Title 4">
             <a:extLst>
               <a:ext uri="{FF2B5EF4-FFF2-40B4-BE49-F238E27FC236}">
-                <a16:creationId xmlns="" xmlns:a16="http://schemas.microsoft.com/office/drawing/2014/main" id="{8FBA75B4-2DD5-42EB-9397-F36BFB8BA723}"/>
+                <a16:creationId xmlns:a16="http://schemas.microsoft.com/office/drawing/2014/main" xmlns="" id="{8FBA75B4-2DD5-42EB-9397-F36BFB8BA723}"/>
               </a:ext>
             </a:extLst>
           </p:cNvPr>
@@ -5442,7 +5442,7 @@
           <p:cNvPr id="6" name="Rectangle 2">
             <a:extLst>
               <a:ext uri="{FF2B5EF4-FFF2-40B4-BE49-F238E27FC236}">
-                <a16:creationId xmlns="" xmlns:a16="http://schemas.microsoft.com/office/drawing/2014/main" id="{E6FA226B-B793-1ABD-FBA7-D34D3073B2DB}"/>
+                <a16:creationId xmlns:a16="http://schemas.microsoft.com/office/drawing/2014/main" xmlns="" id="{E6FA226B-B793-1ABD-FBA7-D34D3073B2DB}"/>
               </a:ext>
             </a:extLst>
           </p:cNvPr>
@@ -5468,14 +5468,14 @@
           <a:effectLst/>
           <a:extLst>
             <a:ext uri="{909E8E84-426E-40DD-AFC4-6F175D3DCCD1}">
-              <a14:hiddenFill xmlns="" xmlns:a14="http://schemas.microsoft.com/office/drawing/2010/main">
+              <a14:hiddenFill xmlns:a14="http://schemas.microsoft.com/office/drawing/2010/main" xmlns="">
                 <a:solidFill>
                   <a:schemeClr val="accent1"/>
                 </a:solidFill>
               </a14:hiddenFill>
             </a:ext>
             <a:ext uri="{91240B29-F687-4F45-9708-019B960494DF}">
-              <a14:hiddenLine xmlns="" xmlns:a14="http://schemas.microsoft.com/office/drawing/2010/main" w="9525">
+              <a14:hiddenLine xmlns:a14="http://schemas.microsoft.com/office/drawing/2010/main" xmlns="" w="9525">
                 <a:solidFill>
                   <a:schemeClr val="tx1"/>
                 </a:solidFill>
@@ -5485,7 +5485,7 @@
               </a14:hiddenLine>
             </a:ext>
             <a:ext uri="{AF507438-7753-43E0-B8FC-AC1667EBCBE1}">
-              <a14:hiddenEffects xmlns="" xmlns:a14="http://schemas.microsoft.com/office/drawing/2010/main">
+              <a14:hiddenEffects xmlns:a14="http://schemas.microsoft.com/office/drawing/2010/main" xmlns="">
                 <a:effectLst>
                   <a:outerShdw dist="35921" dir="2700000" algn="ctr" rotWithShape="0">
                     <a:schemeClr val="bg2"/>
@@ -5590,7 +5590,7 @@
     </p:spTree>
     <p:extLst>
       <p:ext uri="{BB962C8B-B14F-4D97-AF65-F5344CB8AC3E}">
-        <p14:creationId xmlns="" xmlns:p14="http://schemas.microsoft.com/office/powerpoint/2010/main" val="1186421160"/>
+        <p14:creationId xmlns:p14="http://schemas.microsoft.com/office/powerpoint/2010/main" xmlns="" val="1186421160"/>
       </p:ext>
     </p:extLst>
   </p:cSld>
@@ -5622,7 +5622,7 @@
           <p:cNvPr id="5" name="Title 4">
             <a:extLst>
               <a:ext uri="{FF2B5EF4-FFF2-40B4-BE49-F238E27FC236}">
-                <a16:creationId xmlns="" xmlns:a16="http://schemas.microsoft.com/office/drawing/2014/main" id="{8FBA75B4-2DD5-42EB-9397-F36BFB8BA723}"/>
+                <a16:creationId xmlns:a16="http://schemas.microsoft.com/office/drawing/2014/main" xmlns="" id="{8FBA75B4-2DD5-42EB-9397-F36BFB8BA723}"/>
               </a:ext>
             </a:extLst>
           </p:cNvPr>
@@ -5672,7 +5672,7 @@
           <p:cNvPr id="3" name="Rectangle 1">
             <a:extLst>
               <a:ext uri="{FF2B5EF4-FFF2-40B4-BE49-F238E27FC236}">
-                <a16:creationId xmlns="" xmlns:a16="http://schemas.microsoft.com/office/drawing/2014/main" id="{6F47B10D-BA02-E027-46A1-3EB9B387A427}"/>
+                <a16:creationId xmlns:a16="http://schemas.microsoft.com/office/drawing/2014/main" xmlns="" id="{6F47B10D-BA02-E027-46A1-3EB9B387A427}"/>
               </a:ext>
             </a:extLst>
           </p:cNvPr>
@@ -5698,14 +5698,14 @@
           <a:effectLst/>
           <a:extLst>
             <a:ext uri="{909E8E84-426E-40DD-AFC4-6F175D3DCCD1}">
-              <a14:hiddenFill xmlns="" xmlns:a14="http://schemas.microsoft.com/office/drawing/2010/main">
+              <a14:hiddenFill xmlns:a14="http://schemas.microsoft.com/office/drawing/2010/main" xmlns="">
                 <a:solidFill>
                   <a:schemeClr val="accent1"/>
                 </a:solidFill>
               </a14:hiddenFill>
             </a:ext>
             <a:ext uri="{91240B29-F687-4F45-9708-019B960494DF}">
-              <a14:hiddenLine xmlns="" xmlns:a14="http://schemas.microsoft.com/office/drawing/2010/main" w="9525">
+              <a14:hiddenLine xmlns:a14="http://schemas.microsoft.com/office/drawing/2010/main" xmlns="" w="9525">
                 <a:solidFill>
                   <a:schemeClr val="tx1"/>
                 </a:solidFill>
@@ -5715,7 +5715,7 @@
               </a14:hiddenLine>
             </a:ext>
             <a:ext uri="{AF507438-7753-43E0-B8FC-AC1667EBCBE1}">
-              <a14:hiddenEffects xmlns="" xmlns:a14="http://schemas.microsoft.com/office/drawing/2010/main">
+              <a14:hiddenEffects xmlns:a14="http://schemas.microsoft.com/office/drawing/2010/main" xmlns="">
                 <a:effectLst>
                   <a:outerShdw dist="35921" dir="2700000" algn="ctr" rotWithShape="0">
                     <a:schemeClr val="bg2"/>
@@ -5840,7 +5840,7 @@
     </p:spTree>
     <p:extLst>
       <p:ext uri="{BB962C8B-B14F-4D97-AF65-F5344CB8AC3E}">
-        <p14:creationId xmlns="" xmlns:p14="http://schemas.microsoft.com/office/powerpoint/2010/main" val="3202024527"/>
+        <p14:creationId xmlns:p14="http://schemas.microsoft.com/office/powerpoint/2010/main" xmlns="" val="3202024527"/>
       </p:ext>
     </p:extLst>
   </p:cSld>
@@ -5872,7 +5872,7 @@
           <p:cNvPr id="5" name="Title 4">
             <a:extLst>
               <a:ext uri="{FF2B5EF4-FFF2-40B4-BE49-F238E27FC236}">
-                <a16:creationId xmlns="" xmlns:a16="http://schemas.microsoft.com/office/drawing/2014/main" id="{8FBA75B4-2DD5-42EB-9397-F36BFB8BA723}"/>
+                <a16:creationId xmlns:a16="http://schemas.microsoft.com/office/drawing/2014/main" xmlns="" id="{8FBA75B4-2DD5-42EB-9397-F36BFB8BA723}"/>
               </a:ext>
             </a:extLst>
           </p:cNvPr>
@@ -5919,7 +5919,7 @@
           <p:cNvPr id="3" name="Rectangle 1">
             <a:extLst>
               <a:ext uri="{FF2B5EF4-FFF2-40B4-BE49-F238E27FC236}">
-                <a16:creationId xmlns="" xmlns:a16="http://schemas.microsoft.com/office/drawing/2014/main" id="{2A13D4AF-BC64-937B-E983-E2F50E4F343E}"/>
+                <a16:creationId xmlns:a16="http://schemas.microsoft.com/office/drawing/2014/main" xmlns="" id="{2A13D4AF-BC64-937B-E983-E2F50E4F343E}"/>
               </a:ext>
             </a:extLst>
           </p:cNvPr>
@@ -5945,14 +5945,14 @@
           <a:effectLst/>
           <a:extLst>
             <a:ext uri="{909E8E84-426E-40DD-AFC4-6F175D3DCCD1}">
-              <a14:hiddenFill xmlns="" xmlns:a14="http://schemas.microsoft.com/office/drawing/2010/main">
+              <a14:hiddenFill xmlns:a14="http://schemas.microsoft.com/office/drawing/2010/main" xmlns="">
                 <a:solidFill>
                   <a:schemeClr val="accent1"/>
                 </a:solidFill>
               </a14:hiddenFill>
             </a:ext>
             <a:ext uri="{91240B29-F687-4F45-9708-019B960494DF}">
-              <a14:hiddenLine xmlns="" xmlns:a14="http://schemas.microsoft.com/office/drawing/2010/main" w="9525">
+              <a14:hiddenLine xmlns:a14="http://schemas.microsoft.com/office/drawing/2010/main" xmlns="" w="9525">
                 <a:solidFill>
                   <a:schemeClr val="tx1"/>
                 </a:solidFill>
@@ -5962,7 +5962,7 @@
               </a14:hiddenLine>
             </a:ext>
             <a:ext uri="{AF507438-7753-43E0-B8FC-AC1667EBCBE1}">
-              <a14:hiddenEffects xmlns="" xmlns:a14="http://schemas.microsoft.com/office/drawing/2010/main">
+              <a14:hiddenEffects xmlns:a14="http://schemas.microsoft.com/office/drawing/2010/main" xmlns="">
                 <a:effectLst>
                   <a:outerShdw dist="35921" dir="2700000" algn="ctr" rotWithShape="0">
                     <a:schemeClr val="bg2"/>
@@ -6137,7 +6137,7 @@
     </p:spTree>
     <p:extLst>
       <p:ext uri="{BB962C8B-B14F-4D97-AF65-F5344CB8AC3E}">
-        <p14:creationId xmlns="" xmlns:p14="http://schemas.microsoft.com/office/powerpoint/2010/main" val="4154508776"/>
+        <p14:creationId xmlns:p14="http://schemas.microsoft.com/office/powerpoint/2010/main" xmlns="" val="4154508776"/>
       </p:ext>
     </p:extLst>
   </p:cSld>
@@ -6169,7 +6169,7 @@
           <p:cNvPr id="5" name="Title 4">
             <a:extLst>
               <a:ext uri="{FF2B5EF4-FFF2-40B4-BE49-F238E27FC236}">
-                <a16:creationId xmlns="" xmlns:a16="http://schemas.microsoft.com/office/drawing/2014/main" id="{8FBA75B4-2DD5-42EB-9397-F36BFB8BA723}"/>
+                <a16:creationId xmlns:a16="http://schemas.microsoft.com/office/drawing/2014/main" xmlns="" id="{8FBA75B4-2DD5-42EB-9397-F36BFB8BA723}"/>
               </a:ext>
             </a:extLst>
           </p:cNvPr>
@@ -6231,7 +6231,7 @@
     </p:spTree>
     <p:extLst>
       <p:ext uri="{BB962C8B-B14F-4D97-AF65-F5344CB8AC3E}">
-        <p14:creationId xmlns="" xmlns:p14="http://schemas.microsoft.com/office/powerpoint/2010/main" val="1483293388"/>
+        <p14:creationId xmlns:p14="http://schemas.microsoft.com/office/powerpoint/2010/main" xmlns="" val="1483293388"/>
       </p:ext>
     </p:extLst>
   </p:cSld>
@@ -6402,18 +6402,18 @@
       </p:grpSpPr>
       <p:sp>
         <p:nvSpPr>
-          <p:cNvPr id="2" name="Title 1"/>
-          <p:cNvSpPr>
-            <a:spLocks noGrp="1"/>
-          </p:cNvSpPr>
-          <p:nvPr>
-            <p:ph type="title"/>
-          </p:nvPr>
-        </p:nvSpPr>
-        <p:spPr>
-          <a:xfrm>
-            <a:off x="693159" y="1140695"/>
-            <a:ext cx="11029616" cy="530296"/>
+          <p:cNvPr id="3" name="Content Placeholder 2"/>
+          <p:cNvSpPr>
+            <a:spLocks noGrp="1"/>
+          </p:cNvSpPr>
+          <p:nvPr>
+            <p:ph idx="1"/>
+          </p:nvPr>
+        </p:nvSpPr>
+        <p:spPr>
+          <a:xfrm>
+            <a:off x="945087" y="1744825"/>
+            <a:ext cx="8618792" cy="914399"/>
           </a:xfrm>
         </p:spPr>
         <p:txBody>
@@ -6422,51 +6422,157 @@
           <a:p>
             <a:pPr algn="just"/>
             <a:r>
-              <a:rPr lang="en-US" dirty="0" smtClean="0"/>
-              <a:t>GITHUB link</a:t>
-            </a:r>
-            <a:endParaRPr lang="en-US" dirty="0"/>
-          </a:p>
-        </p:txBody>
-      </p:sp>
-      <p:sp>
-        <p:nvSpPr>
-          <p:cNvPr id="3" name="Content Placeholder 2"/>
-          <p:cNvSpPr>
-            <a:spLocks noGrp="1"/>
-          </p:cNvSpPr>
-          <p:nvPr>
-            <p:ph idx="1"/>
-          </p:nvPr>
-        </p:nvSpPr>
-        <p:spPr>
-          <a:xfrm>
-            <a:off x="581192" y="1931437"/>
-            <a:ext cx="11029615" cy="1399592"/>
-          </a:xfrm>
-        </p:spPr>
-        <p:txBody>
-          <a:bodyPr/>
-          <a:lstStyle/>
-          <a:p>
-            <a:pPr algn="just"/>
-            <a:r>
               <a:rPr lang="en-US" dirty="0" smtClean="0">
                 <a:hlinkClick r:id="rId2"/>
               </a:rPr>
-              <a:t>https://</a:t>
-            </a:r>
-            <a:r>
-              <a:rPr lang="en-US" dirty="0" smtClean="0">
-                <a:hlinkClick r:id="rId2"/>
-              </a:rPr>
-              <a:t>github.com/kumarakash15/weather-dashboard</a:t>
+              <a:t>https://github.com/kumarakash15/weather-dashboard</a:t>
             </a:r>
             <a:r>
               <a:rPr lang="en-US" dirty="0" smtClean="0"/>
               <a:t> </a:t>
             </a:r>
+            <a:r>
+              <a:rPr lang="en-US" dirty="0" smtClean="0"/>
+              <a:t> </a:t>
+            </a:r>
             <a:endParaRPr lang="en-US" dirty="0"/>
+          </a:p>
+        </p:txBody>
+      </p:sp>
+      <p:sp>
+        <p:nvSpPr>
+          <p:cNvPr id="4" name="Rectangle 3"/>
+          <p:cNvSpPr/>
+          <p:nvPr/>
+        </p:nvSpPr>
+        <p:spPr>
+          <a:xfrm>
+            <a:off x="947573" y="2712490"/>
+            <a:ext cx="3288080" cy="646331"/>
+          </a:xfrm>
+          <a:prstGeom prst="rect">
+            <a:avLst/>
+          </a:prstGeom>
+        </p:spPr>
+        <p:txBody>
+          <a:bodyPr wrap="none">
+            <a:spAutoFit/>
+          </a:bodyPr>
+          <a:lstStyle/>
+          <a:p>
+            <a:r>
+              <a:rPr lang="en-US" sz="3600" dirty="0" err="1" smtClean="0">
+                <a:latin typeface="Times New Roman" pitchFamily="18" charset="0"/>
+                <a:cs typeface="Times New Roman" pitchFamily="18" charset="0"/>
+              </a:rPr>
+              <a:t>Github</a:t>
+            </a:r>
+            <a:r>
+              <a:rPr lang="en-US" sz="3600" dirty="0" smtClean="0">
+                <a:latin typeface="Times New Roman" pitchFamily="18" charset="0"/>
+                <a:cs typeface="Times New Roman" pitchFamily="18" charset="0"/>
+              </a:rPr>
+              <a:t> Host </a:t>
+            </a:r>
+            <a:r>
+              <a:rPr lang="en-US" sz="3600" dirty="0" smtClean="0">
+                <a:latin typeface="Times New Roman" pitchFamily="18" charset="0"/>
+                <a:cs typeface="Times New Roman" pitchFamily="18" charset="0"/>
+              </a:rPr>
+              <a:t>link</a:t>
+            </a:r>
+            <a:endParaRPr lang="en-US" sz="3600" dirty="0">
+              <a:latin typeface="Times New Roman" pitchFamily="18" charset="0"/>
+              <a:cs typeface="Times New Roman" pitchFamily="18" charset="0"/>
+            </a:endParaRPr>
+          </a:p>
+        </p:txBody>
+      </p:sp>
+      <p:sp>
+        <p:nvSpPr>
+          <p:cNvPr id="5" name="Rectangle 4"/>
+          <p:cNvSpPr/>
+          <p:nvPr/>
+        </p:nvSpPr>
+        <p:spPr>
+          <a:xfrm>
+            <a:off x="1247191" y="3469729"/>
+            <a:ext cx="6096000" cy="369332"/>
+          </a:xfrm>
+          <a:prstGeom prst="rect">
+            <a:avLst/>
+          </a:prstGeom>
+        </p:spPr>
+        <p:txBody>
+          <a:bodyPr>
+            <a:spAutoFit/>
+          </a:bodyPr>
+          <a:lstStyle/>
+          <a:p>
+            <a:pPr algn="just"/>
+            <a:r>
+              <a:rPr lang="en-US" dirty="0" smtClean="0"/>
+              <a:t> </a:t>
+            </a:r>
+            <a:r>
+              <a:rPr lang="en-US" dirty="0" smtClean="0">
+                <a:hlinkClick r:id="rId3"/>
+              </a:rPr>
+              <a:t>https</a:t>
+            </a:r>
+            <a:r>
+              <a:rPr lang="en-US" dirty="0" smtClean="0">
+                <a:hlinkClick r:id="rId3"/>
+              </a:rPr>
+              <a:t>://kumarakash15.github.io/weather-dashboard/</a:t>
+            </a:r>
+            <a:r>
+              <a:rPr lang="en-US" dirty="0" smtClean="0"/>
+              <a:t> </a:t>
+            </a:r>
+            <a:endParaRPr lang="en-US" dirty="0"/>
+          </a:p>
+        </p:txBody>
+      </p:sp>
+      <p:sp>
+        <p:nvSpPr>
+          <p:cNvPr id="7" name="Rectangle 6"/>
+          <p:cNvSpPr/>
+          <p:nvPr/>
+        </p:nvSpPr>
+        <p:spPr>
+          <a:xfrm>
+            <a:off x="858108" y="1060970"/>
+            <a:ext cx="3313728" cy="646331"/>
+          </a:xfrm>
+          <a:prstGeom prst="rect">
+            <a:avLst/>
+          </a:prstGeom>
+        </p:spPr>
+        <p:txBody>
+          <a:bodyPr wrap="none">
+            <a:spAutoFit/>
+          </a:bodyPr>
+          <a:lstStyle/>
+          <a:p>
+            <a:r>
+              <a:rPr lang="en-US" sz="3600" dirty="0" err="1" smtClean="0">
+                <a:latin typeface="Times New Roman" pitchFamily="18" charset="0"/>
+                <a:cs typeface="Times New Roman" pitchFamily="18" charset="0"/>
+              </a:rPr>
+              <a:t>Github</a:t>
+            </a:r>
+            <a:r>
+              <a:rPr lang="en-US" sz="3600" dirty="0" smtClean="0">
+                <a:latin typeface="Times New Roman" pitchFamily="18" charset="0"/>
+                <a:cs typeface="Times New Roman" pitchFamily="18" charset="0"/>
+              </a:rPr>
+              <a:t> Push link</a:t>
+            </a:r>
+            <a:endParaRPr lang="en-US" sz="3600" dirty="0">
+              <a:latin typeface="Times New Roman" pitchFamily="18" charset="0"/>
+              <a:cs typeface="Times New Roman" pitchFamily="18" charset="0"/>
+            </a:endParaRPr>
           </a:p>
         </p:txBody>
       </p:sp>
@@ -6741,7 +6847,7 @@
   <a:extraClrSchemeLst/>
   <a:extLst>
     <a:ext uri="{05A4C25C-085E-4340-85A3-A5531E510DB2}">
-      <thm15:themeFamily xmlns="" xmlns:thm15="http://schemas.microsoft.com/office/thememl/2012/main" name="DividendVTI" id="{97558BDE-0B66-457C-BB6F-7B1B22DAA9B8}" vid="{F53508A3-AC60-448A-AF37-934D5F1A0D5E}"/>
+      <thm15:themeFamily xmlns:thm15="http://schemas.microsoft.com/office/thememl/2012/main" xmlns="" name="DividendVTI" id="{97558BDE-0B66-457C-BB6F-7B1B22DAA9B8}" vid="{F53508A3-AC60-448A-AF37-934D5F1A0D5E}"/>
     </a:ext>
   </a:extLst>
 </a:theme>
@@ -7036,13 +7142,31 @@
   <a:extraClrSchemeLst/>
   <a:extLst>
     <a:ext uri="{05A4C25C-085E-4340-85A3-A5531E510DB2}">
-      <thm15:themeFamily xmlns="" xmlns:thm15="http://schemas.microsoft.com/office/thememl/2012/main" name="Office Theme" id="{62F939B6-93AF-4DB8-9C6B-D6C7DFDC589F}" vid="{4A3C46E8-61CC-4603-A589-7422A47A8E4A}"/>
+      <thm15:themeFamily xmlns:thm15="http://schemas.microsoft.com/office/thememl/2012/main" xmlns="" name="Office Theme" id="{62F939B6-93AF-4DB8-9C6B-D6C7DFDC589F}" vid="{4A3C46E8-61CC-4603-A589-7422A47A8E4A}"/>
     </a:ext>
   </a:extLst>
 </a:theme>
 </file>
 
 <file path=customXml/item1.xml><?xml version="1.0" encoding="utf-8"?>
+<?mso-contentType ?>
+<FormTemplates xmlns="http://schemas.microsoft.com/sharepoint/v3/contenttype/forms">
+  <Display>DocumentLibraryForm</Display>
+  <Edit>DocumentLibraryForm</Edit>
+  <New>DocumentLibraryForm</New>
+</FormTemplates>
+</file>
+
+<file path=customXml/item2.xml><?xml version="1.0" encoding="utf-8"?>
+<p:properties xmlns:p="http://schemas.microsoft.com/office/2006/metadata/properties" xmlns:xsi="http://www.w3.org/2001/XMLSchema-instance" xmlns:pc="http://schemas.microsoft.com/office/infopath/2007/PartnerControls">
+  <documentManagement>
+    <MediaServiceKeyPoints xmlns="9162bd5b-4ed9-4da3-b376-05204580ba3f" xsi:nil="true"/>
+    <_activity xmlns="9162bd5b-4ed9-4da3-b376-05204580ba3f" xsi:nil="true"/>
+  </documentManagement>
+</p:properties>
+</file>
+
+<file path=customXml/item3.xml><?xml version="1.0" encoding="utf-8"?>
 <ct:contentTypeSchema xmlns:ct="http://schemas.microsoft.com/office/2006/metadata/contentType" xmlns:ma="http://schemas.microsoft.com/office/2006/metadata/properties/metaAttributes" ct:_="" ma:_="" ma:contentTypeName="Document" ma:contentTypeID="0x0101000F1872188ABCFC48BECA6C87E8AC3285" ma:contentTypeVersion="17" ma:contentTypeDescription="Create a new document." ma:contentTypeScope="" ma:versionID="55a158675e089c6a85ab0f83b89e1a15">
   <xsd:schema xmlns:xsd="http://www.w3.org/2001/XMLSchema" xmlns:xs="http://www.w3.org/2001/XMLSchema" xmlns:p="http://schemas.microsoft.com/office/2006/metadata/properties" xmlns:ns3="9162bd5b-4ed9-4da3-b376-05204580ba3f" xmlns:ns4="c0fa2617-96bd-425d-8578-e93563fe37c5" targetNamespace="http://schemas.microsoft.com/office/2006/metadata/properties" ma:root="true" ma:fieldsID="b35f082308864fa161c4a0a9eca35eff" ns3:_="" ns4:_="">
     <xsd:import namespace="9162bd5b-4ed9-4da3-b376-05204580ba3f"/>
@@ -7289,39 +7413,10 @@
 </ct:contentTypeSchema>
 </file>
 
-<file path=customXml/item2.xml><?xml version="1.0" encoding="utf-8"?>
-<p:properties xmlns:p="http://schemas.microsoft.com/office/2006/metadata/properties" xmlns:xsi="http://www.w3.org/2001/XMLSchema-instance" xmlns:pc="http://schemas.microsoft.com/office/infopath/2007/PartnerControls">
-  <documentManagement>
-    <MediaServiceKeyPoints xmlns="9162bd5b-4ed9-4da3-b376-05204580ba3f" xsi:nil="true"/>
-    <_activity xmlns="9162bd5b-4ed9-4da3-b376-05204580ba3f" xsi:nil="true"/>
-  </documentManagement>
-</p:properties>
-</file>
-
-<file path=customXml/item3.xml><?xml version="1.0" encoding="utf-8"?>
-<?mso-contentType ?>
-<FormTemplates xmlns="http://schemas.microsoft.com/sharepoint/v3/contenttype/forms">
-  <Display>DocumentLibraryForm</Display>
-  <Edit>DocumentLibraryForm</Edit>
-  <New>DocumentLibraryForm</New>
-</FormTemplates>
-</file>
-
 <file path=customXml/itemProps1.xml><?xml version="1.0" encoding="utf-8"?>
-<ds:datastoreItem xmlns:ds="http://schemas.openxmlformats.org/officeDocument/2006/customXml" ds:itemID="{6E816721-11E4-4989-8472-AB5A7EC20404}">
+<ds:datastoreItem xmlns:ds="http://schemas.openxmlformats.org/officeDocument/2006/customXml" ds:itemID="{927BD4C1-B6B1-4715-ABF9-E660A51A4EA0}">
   <ds:schemaRefs>
-    <ds:schemaRef ds:uri="9162bd5b-4ed9-4da3-b376-05204580ba3f"/>
-    <ds:schemaRef ds:uri="c0fa2617-96bd-425d-8578-e93563fe37c5"/>
-    <ds:schemaRef ds:uri="http://purl.org/dc/elements/1.1/"/>
-    <ds:schemaRef ds:uri="http://purl.org/dc/terms/"/>
-    <ds:schemaRef ds:uri="http://schemas.microsoft.com/internal/obd"/>
-    <ds:schemaRef ds:uri="http://schemas.microsoft.com/office/2006/documentManagement/types"/>
-    <ds:schemaRef ds:uri="http://schemas.microsoft.com/office/2006/metadata/contentType"/>
-    <ds:schemaRef ds:uri="http://schemas.microsoft.com/office/2006/metadata/properties"/>
-    <ds:schemaRef ds:uri="http://schemas.microsoft.com/office/2006/metadata/properties/metaAttributes"/>
-    <ds:schemaRef ds:uri="http://schemas.microsoft.com/office/infopath/2007/PartnerControls"/>
-    <ds:schemaRef ds:uri="http://schemas.openxmlformats.org/package/2006/metadata/core-properties"/>
-    <ds:schemaRef ds:uri="http://www.w3.org/2001/XMLSchema"/>
+    <ds:schemaRef ds:uri="http://schemas.microsoft.com/sharepoint/v3/contenttype/forms"/>
   </ds:schemaRefs>
 </ds:datastoreItem>
 </file>
@@ -7344,9 +7439,20 @@
 </file>
 
 <file path=customXml/itemProps3.xml><?xml version="1.0" encoding="utf-8"?>
-<ds:datastoreItem xmlns:ds="http://schemas.openxmlformats.org/officeDocument/2006/customXml" ds:itemID="{927BD4C1-B6B1-4715-ABF9-E660A51A4EA0}">
+<ds:datastoreItem xmlns:ds="http://schemas.openxmlformats.org/officeDocument/2006/customXml" ds:itemID="{6E816721-11E4-4989-8472-AB5A7EC20404}">
   <ds:schemaRefs>
-    <ds:schemaRef ds:uri="http://schemas.microsoft.com/sharepoint/v3/contenttype/forms"/>
+    <ds:schemaRef ds:uri="9162bd5b-4ed9-4da3-b376-05204580ba3f"/>
+    <ds:schemaRef ds:uri="c0fa2617-96bd-425d-8578-e93563fe37c5"/>
+    <ds:schemaRef ds:uri="http://purl.org/dc/elements/1.1/"/>
+    <ds:schemaRef ds:uri="http://purl.org/dc/terms/"/>
+    <ds:schemaRef ds:uri="http://schemas.microsoft.com/internal/obd"/>
+    <ds:schemaRef ds:uri="http://schemas.microsoft.com/office/2006/documentManagement/types"/>
+    <ds:schemaRef ds:uri="http://schemas.microsoft.com/office/2006/metadata/contentType"/>
+    <ds:schemaRef ds:uri="http://schemas.microsoft.com/office/2006/metadata/properties"/>
+    <ds:schemaRef ds:uri="http://schemas.microsoft.com/office/2006/metadata/properties/metaAttributes"/>
+    <ds:schemaRef ds:uri="http://schemas.microsoft.com/office/infopath/2007/PartnerControls"/>
+    <ds:schemaRef ds:uri="http://schemas.openxmlformats.org/package/2006/metadata/core-properties"/>
+    <ds:schemaRef ds:uri="http://www.w3.org/2001/XMLSchema"/>
   </ds:schemaRefs>
 </ds:datastoreItem>
 </file>